--- a/Projet7_Support_Présentation.pptx
+++ b/Projet7_Support_Présentation.pptx
@@ -5,10 +5,10 @@
     <p:sldMasterId id="2147483660" r:id="rId1"/>
   </p:sldMasterIdLst>
   <p:notesMasterIdLst>
-    <p:notesMasterId r:id="rId23"/>
+    <p:notesMasterId r:id="rId22"/>
   </p:notesMasterIdLst>
   <p:handoutMasterIdLst>
-    <p:handoutMasterId r:id="rId24"/>
+    <p:handoutMasterId r:id="rId23"/>
   </p:handoutMasterIdLst>
   <p:sldIdLst>
     <p:sldId id="256" r:id="rId2"/>
@@ -24,14 +24,13 @@
     <p:sldId id="375" r:id="rId12"/>
     <p:sldId id="379" r:id="rId13"/>
     <p:sldId id="369" r:id="rId14"/>
-    <p:sldId id="371" r:id="rId15"/>
-    <p:sldId id="372" r:id="rId16"/>
-    <p:sldId id="373" r:id="rId17"/>
-    <p:sldId id="380" r:id="rId18"/>
-    <p:sldId id="374" r:id="rId19"/>
-    <p:sldId id="348" r:id="rId20"/>
-    <p:sldId id="349" r:id="rId21"/>
-    <p:sldId id="344" r:id="rId22"/>
+    <p:sldId id="382" r:id="rId15"/>
+    <p:sldId id="381" r:id="rId16"/>
+    <p:sldId id="372" r:id="rId17"/>
+    <p:sldId id="374" r:id="rId18"/>
+    <p:sldId id="348" r:id="rId19"/>
+    <p:sldId id="349" r:id="rId20"/>
+    <p:sldId id="344" r:id="rId21"/>
   </p:sldIdLst>
   <p:sldSz cx="12192000" cy="6858000"/>
   <p:notesSz cx="6858000" cy="9144000"/>
@@ -1156,7 +1155,7 @@
           <a:p>
             <a:fld id="{CD6887C0-3436-465F-A29C-1D5243A5E645}" type="datetimeFigureOut">
               <a:rPr lang="fr-FR" smtClean="0"/>
-              <a:t>25/04/2024</a:t>
+              <a:t>30/04/2024</a:t>
             </a:fld>
             <a:endParaRPr lang="fr-FR"/>
           </a:p>
@@ -1334,7 +1333,7 @@
           <a:p>
             <a:fld id="{EEF50750-8BE5-4356-A96A-CF5A926E9378}" type="datetimeFigureOut">
               <a:rPr lang="fr-FR" smtClean="0"/>
-              <a:t>25/04/2024</a:t>
+              <a:t>30/04/2024</a:t>
             </a:fld>
             <a:endParaRPr lang="fr-FR"/>
           </a:p>
@@ -1847,7 +1846,7 @@
           <a:p>
             <a:fld id="{ABBD144B-625B-4EE1-99BF-88263BF501A7}" type="datetime1">
               <a:rPr lang="fr-FR" smtClean="0"/>
-              <a:t>25/04/2024</a:t>
+              <a:t>30/04/2024</a:t>
             </a:fld>
             <a:endParaRPr lang="fr-FR"/>
           </a:p>
@@ -2109,7 +2108,7 @@
           <a:p>
             <a:fld id="{7EE55691-34FB-464C-ACA0-70ACCC458DC3}" type="datetime1">
               <a:rPr lang="fr-FR" smtClean="0"/>
-              <a:t>25/04/2024</a:t>
+              <a:t>30/04/2024</a:t>
             </a:fld>
             <a:endParaRPr lang="fr-FR"/>
           </a:p>
@@ -2344,7 +2343,7 @@
           <a:p>
             <a:fld id="{B474ECD7-6E32-40BD-A9AE-E0C0F2094AED}" type="datetime1">
               <a:rPr lang="fr-FR" smtClean="0"/>
-              <a:t>25/04/2024</a:t>
+              <a:t>30/04/2024</a:t>
             </a:fld>
             <a:endParaRPr lang="fr-FR"/>
           </a:p>
@@ -2584,7 +2583,7 @@
           <a:p>
             <a:fld id="{E6BF6311-60B0-4E41-84BC-B925B6559BED}" type="datetime1">
               <a:rPr lang="fr-FR" smtClean="0"/>
-              <a:t>25/04/2024</a:t>
+              <a:t>30/04/2024</a:t>
             </a:fld>
             <a:endParaRPr lang="fr-FR"/>
           </a:p>
@@ -2891,7 +2890,7 @@
           <a:p>
             <a:fld id="{94F3D953-FAEB-4601-87F9-4DAB5DD239F0}" type="datetime1">
               <a:rPr lang="fr-FR" smtClean="0"/>
-              <a:t>25/04/2024</a:t>
+              <a:t>30/04/2024</a:t>
             </a:fld>
             <a:endParaRPr lang="fr-FR"/>
           </a:p>
@@ -3193,7 +3192,7 @@
           <a:p>
             <a:fld id="{6AA7DCAA-195D-4356-BA5F-6BABF7C3A8FD}" type="datetime1">
               <a:rPr lang="fr-FR" smtClean="0"/>
-              <a:t>25/04/2024</a:t>
+              <a:t>30/04/2024</a:t>
             </a:fld>
             <a:endParaRPr lang="fr-FR"/>
           </a:p>
@@ -3615,7 +3614,7 @@
           <a:p>
             <a:fld id="{09456A63-3998-4932-A05B-DC0D33111256}" type="datetime1">
               <a:rPr lang="fr-FR" smtClean="0"/>
-              <a:t>25/04/2024</a:t>
+              <a:t>30/04/2024</a:t>
             </a:fld>
             <a:endParaRPr lang="fr-FR"/>
           </a:p>
@@ -3777,7 +3776,7 @@
           <a:p>
             <a:fld id="{9EEDC70B-7304-4CB4-B83B-457E0B4F2729}" type="datetime1">
               <a:rPr lang="fr-FR" smtClean="0"/>
-              <a:t>25/04/2024</a:t>
+              <a:t>30/04/2024</a:t>
             </a:fld>
             <a:endParaRPr lang="fr-FR"/>
           </a:p>
@@ -3872,7 +3871,7 @@
           <a:p>
             <a:fld id="{1DBD132B-8C0C-4D89-A0B6-EC226677F6D0}" type="datetime1">
               <a:rPr lang="fr-FR" smtClean="0"/>
-              <a:t>25/04/2024</a:t>
+              <a:t>30/04/2024</a:t>
             </a:fld>
             <a:endParaRPr lang="fr-FR"/>
           </a:p>
@@ -4250,7 +4249,7 @@
           <a:p>
             <a:fld id="{5B7A271B-4D8C-4088-9613-851814AC4C64}" type="datetime1">
               <a:rPr lang="fr-FR" smtClean="0"/>
-              <a:t>25/04/2024</a:t>
+              <a:t>30/04/2024</a:t>
             </a:fld>
             <a:endParaRPr lang="fr-FR"/>
           </a:p>
@@ -4539,7 +4538,7 @@
           <a:p>
             <a:fld id="{3B8AB4B7-D47E-4760-AEC6-403840C541FA}" type="datetime1">
               <a:rPr lang="fr-FR" smtClean="0"/>
-              <a:t>25/04/2024</a:t>
+              <a:t>30/04/2024</a:t>
             </a:fld>
             <a:endParaRPr lang="fr-FR"/>
           </a:p>
@@ -4750,7 +4749,7 @@
           <a:p>
             <a:fld id="{000C62F2-910C-4D2A-A60A-0C0E75BA5333}" type="datetime1">
               <a:rPr lang="fr-FR" smtClean="0"/>
-              <a:t>25/04/2024</a:t>
+              <a:t>30/04/2024</a:t>
             </a:fld>
             <a:endParaRPr lang="fr-FR"/>
           </a:p>
@@ -7833,7 +7832,7 @@
         </p:blipFill>
         <p:spPr>
           <a:xfrm>
-            <a:off x="6230318" y="2953528"/>
+            <a:off x="6302894" y="3608019"/>
             <a:ext cx="5594574" cy="2337244"/>
           </a:xfrm>
           <a:prstGeom prst="rect">
@@ -7869,7 +7868,7 @@
         </p:blipFill>
         <p:spPr>
           <a:xfrm>
-            <a:off x="406989" y="2940029"/>
+            <a:off x="479565" y="3594520"/>
             <a:ext cx="5823329" cy="2358361"/>
           </a:xfrm>
           <a:prstGeom prst="rect">
@@ -7992,7 +7991,7 @@
         </p:nvCxnSpPr>
         <p:spPr>
           <a:xfrm>
-            <a:off x="733722" y="3786520"/>
+            <a:off x="806298" y="4441011"/>
             <a:ext cx="4729018" cy="0"/>
           </a:xfrm>
           <a:prstGeom prst="straightConnector1">
@@ -8032,7 +8031,7 @@
         </p:nvSpPr>
         <p:spPr>
           <a:xfrm>
-            <a:off x="5400746" y="4058725"/>
+            <a:off x="5473322" y="4713216"/>
             <a:ext cx="915635" cy="276999"/>
           </a:xfrm>
           <a:prstGeom prst="rect">
@@ -8073,7 +8072,7 @@
         </p:nvSpPr>
         <p:spPr>
           <a:xfrm>
-            <a:off x="3698126" y="2858894"/>
+            <a:off x="3770702" y="3513385"/>
             <a:ext cx="1400816" cy="2482666"/>
           </a:xfrm>
           <a:prstGeom prst="rect">
@@ -8120,7 +8119,7 @@
         </p:nvSpPr>
         <p:spPr>
           <a:xfrm>
-            <a:off x="8120639" y="2909525"/>
+            <a:off x="8193215" y="3564016"/>
             <a:ext cx="1400816" cy="2388866"/>
           </a:xfrm>
           <a:prstGeom prst="rect">
@@ -8167,7 +8166,7 @@
         </p:nvSpPr>
         <p:spPr>
           <a:xfrm>
-            <a:off x="4467459" y="5787247"/>
+            <a:off x="4540035" y="6441738"/>
             <a:ext cx="5979522" cy="253916"/>
           </a:xfrm>
           <a:prstGeom prst="rect">
@@ -8207,7 +8206,7 @@
         </p:nvCxnSpPr>
         <p:spPr>
           <a:xfrm flipH="1" flipV="1">
-            <a:off x="4467459" y="5326347"/>
+            <a:off x="4540035" y="5980838"/>
             <a:ext cx="361686" cy="432943"/>
           </a:xfrm>
           <a:prstGeom prst="straightConnector1">
@@ -8249,7 +8248,7 @@
         </p:nvCxnSpPr>
         <p:spPr>
           <a:xfrm flipV="1">
-            <a:off x="8335208" y="5298391"/>
+            <a:off x="8407784" y="5952882"/>
             <a:ext cx="485839" cy="487132"/>
           </a:xfrm>
           <a:prstGeom prst="straightConnector1">
@@ -8288,7 +8287,7 @@
         </p:nvSpPr>
         <p:spPr>
           <a:xfrm>
-            <a:off x="1997989" y="2465029"/>
+            <a:off x="2070565" y="3119520"/>
             <a:ext cx="1697901" cy="307777"/>
           </a:xfrm>
           <a:prstGeom prst="rect">
@@ -8326,7 +8325,7 @@
         </p:nvSpPr>
         <p:spPr>
           <a:xfrm>
-            <a:off x="8099370" y="2601747"/>
+            <a:off x="8171946" y="3256238"/>
             <a:ext cx="1191352" cy="307777"/>
           </a:xfrm>
           <a:prstGeom prst="rect">
@@ -8347,6 +8346,153 @@
               </a:rPr>
               <a:t>F1-SCORE</a:t>
             </a:r>
+          </a:p>
+        </p:txBody>
+      </p:sp>
+      <p:sp>
+        <p:nvSpPr>
+          <p:cNvPr id="6" name="ZoneTexte 5">
+            <a:extLst>
+              <a:ext uri="{FF2B5EF4-FFF2-40B4-BE49-F238E27FC236}">
+                <a16:creationId xmlns:a16="http://schemas.microsoft.com/office/drawing/2014/main" id="{C0CF635E-293B-2C90-3020-0A5E33AABD09}"/>
+              </a:ext>
+            </a:extLst>
+          </p:cNvPr>
+          <p:cNvSpPr txBox="1"/>
+          <p:nvPr/>
+        </p:nvSpPr>
+        <p:spPr>
+          <a:xfrm>
+            <a:off x="479565" y="1960084"/>
+            <a:ext cx="11243732" cy="1029128"/>
+          </a:xfrm>
+          <a:prstGeom prst="rect">
+            <a:avLst/>
+          </a:prstGeom>
+          <a:solidFill>
+            <a:schemeClr val="tx2">
+              <a:lumMod val="20000"/>
+              <a:lumOff val="80000"/>
+            </a:schemeClr>
+          </a:solidFill>
+        </p:spPr>
+        <p:txBody>
+          <a:bodyPr wrap="square">
+            <a:spAutoFit/>
+          </a:bodyPr>
+          <a:lstStyle/>
+          <a:p>
+            <a:pPr>
+              <a:lnSpc>
+                <a:spcPct val="150000"/>
+              </a:lnSpc>
+            </a:pPr>
+            <a:r>
+              <a:rPr lang="fr-FR" sz="1050" dirty="0">
+                <a:latin typeface="Verdana" panose="020B0604030504040204" pitchFamily="34" charset="0"/>
+                <a:cs typeface="Times New Roman" panose="02020603050405020304" pitchFamily="18" charset="0"/>
+              </a:rPr>
+              <a:t>La modélisation a été élaborée : </a:t>
+            </a:r>
+          </a:p>
+          <a:p>
+            <a:pPr>
+              <a:lnSpc>
+                <a:spcPct val="150000"/>
+              </a:lnSpc>
+            </a:pPr>
+            <a:r>
+              <a:rPr lang="fr-FR" sz="1050" dirty="0">
+                <a:latin typeface="Verdana" panose="020B0604030504040204" pitchFamily="34" charset="0"/>
+                <a:cs typeface="Times New Roman" panose="02020603050405020304" pitchFamily="18" charset="0"/>
+              </a:rPr>
+              <a:t>-	Avec un pipeline de transformation </a:t>
+            </a:r>
+          </a:p>
+          <a:p>
+            <a:pPr>
+              <a:lnSpc>
+                <a:spcPct val="150000"/>
+              </a:lnSpc>
+            </a:pPr>
+            <a:r>
+              <a:rPr lang="fr-FR" sz="1050" dirty="0">
+                <a:latin typeface="Verdana" panose="020B0604030504040204" pitchFamily="34" charset="0"/>
+                <a:cs typeface="Times New Roman" panose="02020603050405020304" pitchFamily="18" charset="0"/>
+              </a:rPr>
+              <a:t>-	Une optimisation des paramètres (</a:t>
+            </a:r>
+            <a:r>
+              <a:rPr lang="fr-FR" sz="1050" dirty="0" err="1">
+                <a:latin typeface="Verdana" panose="020B0604030504040204" pitchFamily="34" charset="0"/>
+                <a:cs typeface="Times New Roman" panose="02020603050405020304" pitchFamily="18" charset="0"/>
+              </a:rPr>
+              <a:t>num_leaves</a:t>
+            </a:r>
+            <a:r>
+              <a:rPr lang="fr-FR" sz="1050" dirty="0">
+                <a:latin typeface="Verdana" panose="020B0604030504040204" pitchFamily="34" charset="0"/>
+                <a:cs typeface="Times New Roman" panose="02020603050405020304" pitchFamily="18" charset="0"/>
+              </a:rPr>
+              <a:t> / </a:t>
+            </a:r>
+            <a:r>
+              <a:rPr lang="fr-FR" sz="1050" dirty="0" err="1">
+                <a:latin typeface="Verdana" panose="020B0604030504040204" pitchFamily="34" charset="0"/>
+                <a:cs typeface="Times New Roman" panose="02020603050405020304" pitchFamily="18" charset="0"/>
+              </a:rPr>
+              <a:t>max_depth</a:t>
+            </a:r>
+            <a:r>
+              <a:rPr lang="fr-FR" sz="1050" dirty="0">
+                <a:latin typeface="Verdana" panose="020B0604030504040204" pitchFamily="34" charset="0"/>
+                <a:cs typeface="Times New Roman" panose="02020603050405020304" pitchFamily="18" charset="0"/>
+              </a:rPr>
+              <a:t> / </a:t>
+            </a:r>
+            <a:r>
+              <a:rPr lang="fr-FR" sz="1050" dirty="0" err="1">
+                <a:latin typeface="Verdana" panose="020B0604030504040204" pitchFamily="34" charset="0"/>
+                <a:cs typeface="Times New Roman" panose="02020603050405020304" pitchFamily="18" charset="0"/>
+              </a:rPr>
+              <a:t>min_data_in_leaf</a:t>
+            </a:r>
+            <a:endParaRPr lang="fr-FR" sz="1050" dirty="0">
+              <a:latin typeface="Verdana" panose="020B0604030504040204" pitchFamily="34" charset="0"/>
+              <a:cs typeface="Times New Roman" panose="02020603050405020304" pitchFamily="18" charset="0"/>
+            </a:endParaRPr>
+          </a:p>
+          <a:p>
+            <a:pPr>
+              <a:lnSpc>
+                <a:spcPct val="150000"/>
+              </a:lnSpc>
+            </a:pPr>
+            <a:r>
+              <a:rPr lang="fr-FR" sz="1050" dirty="0">
+                <a:latin typeface="Verdana" panose="020B0604030504040204" pitchFamily="34" charset="0"/>
+                <a:cs typeface="Times New Roman" panose="02020603050405020304" pitchFamily="18" charset="0"/>
+              </a:rPr>
+              <a:t>-	et avec </a:t>
+            </a:r>
+            <a:r>
+              <a:rPr lang="fr-FR" sz="1050" dirty="0" err="1">
+                <a:latin typeface="Verdana" panose="020B0604030504040204" pitchFamily="34" charset="0"/>
+                <a:cs typeface="Times New Roman" panose="02020603050405020304" pitchFamily="18" charset="0"/>
+              </a:rPr>
+              <a:t>GridsearchCV</a:t>
+            </a:r>
+            <a:r>
+              <a:rPr lang="fr-FR" sz="1050" dirty="0">
+                <a:latin typeface="Verdana" panose="020B0604030504040204" pitchFamily="34" charset="0"/>
+                <a:cs typeface="Times New Roman" panose="02020603050405020304" pitchFamily="18" charset="0"/>
+              </a:rPr>
+              <a:t>  et 5 cross validation, ce qui signifie que le modèle est tester 5 fois pour chaque ensemble d’hyperparamètres sélectionnés.</a:t>
+            </a:r>
+            <a:endParaRPr lang="fr-FR" sz="1100" dirty="0">
+              <a:latin typeface="Verdana" panose="020B0604030504040204" pitchFamily="34" charset="0"/>
+              <a:cs typeface="Times New Roman" panose="02020603050405020304" pitchFamily="18" charset="0"/>
+            </a:endParaRPr>
           </a:p>
         </p:txBody>
       </p:sp>
@@ -9312,6 +9458,169 @@
       </p:sp>
       <p:sp>
         <p:nvSpPr>
+          <p:cNvPr id="3" name="Titre 1">
+            <a:extLst>
+              <a:ext uri="{FF2B5EF4-FFF2-40B4-BE49-F238E27FC236}">
+                <a16:creationId xmlns:a16="http://schemas.microsoft.com/office/drawing/2014/main" id="{093CAAE3-1E80-6F43-6C2B-678A11ADE62C}"/>
+              </a:ext>
+            </a:extLst>
+          </p:cNvPr>
+          <p:cNvSpPr txBox="1">
+            <a:spLocks/>
+          </p:cNvSpPr>
+          <p:nvPr/>
+        </p:nvSpPr>
+        <p:spPr>
+          <a:xfrm>
+            <a:off x="581191" y="824138"/>
+            <a:ext cx="5708356" cy="1982571"/>
+          </a:xfrm>
+          <a:prstGeom prst="rect">
+            <a:avLst/>
+          </a:prstGeom>
+        </p:spPr>
+        <p:txBody>
+          <a:bodyPr vert="horz" lIns="91440" tIns="45720" rIns="91440" bIns="45720" rtlCol="0" anchor="b">
+            <a:normAutofit/>
+          </a:bodyPr>
+          <a:lstStyle>
+            <a:lvl1pPr algn="l" defTabSz="457200" rtl="0" eaLnBrk="1" latinLnBrk="0" hangingPunct="1">
+              <a:spcBef>
+                <a:spcPct val="0"/>
+              </a:spcBef>
+              <a:buNone/>
+              <a:defRPr sz="2800" b="0" kern="1200" cap="all">
+                <a:solidFill>
+                  <a:schemeClr val="bg1"/>
+                </a:solidFill>
+                <a:latin typeface="+mj-lt"/>
+                <a:ea typeface="+mj-ea"/>
+                <a:cs typeface="+mj-cs"/>
+              </a:defRPr>
+            </a:lvl1pPr>
+            <a:lvl2pPr eaLnBrk="1" hangingPunct="1">
+              <a:defRPr>
+                <a:solidFill>
+                  <a:schemeClr val="tx2"/>
+                </a:solidFill>
+              </a:defRPr>
+            </a:lvl2pPr>
+            <a:lvl3pPr eaLnBrk="1" hangingPunct="1">
+              <a:defRPr>
+                <a:solidFill>
+                  <a:schemeClr val="tx2"/>
+                </a:solidFill>
+              </a:defRPr>
+            </a:lvl3pPr>
+            <a:lvl4pPr eaLnBrk="1" hangingPunct="1">
+              <a:defRPr>
+                <a:solidFill>
+                  <a:schemeClr val="tx2"/>
+                </a:solidFill>
+              </a:defRPr>
+            </a:lvl4pPr>
+            <a:lvl5pPr eaLnBrk="1" hangingPunct="1">
+              <a:defRPr>
+                <a:solidFill>
+                  <a:schemeClr val="tx2"/>
+                </a:solidFill>
+              </a:defRPr>
+            </a:lvl5pPr>
+            <a:lvl6pPr eaLnBrk="1" hangingPunct="1">
+              <a:defRPr>
+                <a:solidFill>
+                  <a:schemeClr val="tx2"/>
+                </a:solidFill>
+              </a:defRPr>
+            </a:lvl6pPr>
+            <a:lvl7pPr eaLnBrk="1" hangingPunct="1">
+              <a:defRPr>
+                <a:solidFill>
+                  <a:schemeClr val="tx2"/>
+                </a:solidFill>
+              </a:defRPr>
+            </a:lvl7pPr>
+            <a:lvl8pPr eaLnBrk="1" hangingPunct="1">
+              <a:defRPr>
+                <a:solidFill>
+                  <a:schemeClr val="tx2"/>
+                </a:solidFill>
+              </a:defRPr>
+            </a:lvl8pPr>
+            <a:lvl9pPr eaLnBrk="1" hangingPunct="1">
+              <a:defRPr>
+                <a:solidFill>
+                  <a:schemeClr val="tx2"/>
+                </a:solidFill>
+              </a:defRPr>
+            </a:lvl9pPr>
+          </a:lstStyle>
+          <a:p>
+            <a:pPr>
+              <a:lnSpc>
+                <a:spcPct val="90000"/>
+              </a:lnSpc>
+            </a:pPr>
+            <a:r>
+              <a:rPr lang="en-US" sz="2400" b="1" spc="-60" dirty="0" err="1">
+                <a:solidFill>
+                  <a:schemeClr val="accent1"/>
+                </a:solidFill>
+                <a:latin typeface="Verdana" panose="020B0604030504040204" pitchFamily="34" charset="0"/>
+                <a:ea typeface="Verdana" panose="020B0604030504040204" pitchFamily="34" charset="0"/>
+              </a:rPr>
+              <a:t>Etape</a:t>
+            </a:r>
+            <a:r>
+              <a:rPr lang="en-US" sz="2400" b="1" spc="-60" dirty="0">
+                <a:solidFill>
+                  <a:schemeClr val="accent1"/>
+                </a:solidFill>
+                <a:latin typeface="Verdana" panose="020B0604030504040204" pitchFamily="34" charset="0"/>
+                <a:ea typeface="Verdana" panose="020B0604030504040204" pitchFamily="34" charset="0"/>
+              </a:rPr>
+              <a:t> 3 :</a:t>
+            </a:r>
+            <a:br>
+              <a:rPr lang="en-US" sz="2400" b="1" spc="-60" dirty="0">
+                <a:solidFill>
+                  <a:schemeClr val="accent1"/>
+                </a:solidFill>
+                <a:latin typeface="Verdana" panose="020B0604030504040204" pitchFamily="34" charset="0"/>
+                <a:ea typeface="Verdana" panose="020B0604030504040204" pitchFamily="34" charset="0"/>
+              </a:rPr>
+            </a:br>
+            <a:br>
+              <a:rPr lang="en-US" sz="2400" b="1" spc="-60" dirty="0">
+                <a:solidFill>
+                  <a:schemeClr val="accent1"/>
+                </a:solidFill>
+                <a:latin typeface="Verdana" panose="020B0604030504040204" pitchFamily="34" charset="0"/>
+                <a:ea typeface="Verdana" panose="020B0604030504040204" pitchFamily="34" charset="0"/>
+              </a:rPr>
+            </a:br>
+            <a:r>
+              <a:rPr lang="fr-FR" sz="2400" spc="-60" dirty="0">
+                <a:solidFill>
+                  <a:schemeClr val="accent1"/>
+                </a:solidFill>
+                <a:latin typeface="Verdana" panose="020B0604030504040204" pitchFamily="34" charset="0"/>
+                <a:ea typeface="Verdana" panose="020B0604030504040204" pitchFamily="34" charset="0"/>
+              </a:rPr>
+              <a:t>DASHBOARD</a:t>
+            </a:r>
+            <a:endParaRPr lang="en-US" sz="2400" dirty="0">
+              <a:solidFill>
+                <a:schemeClr val="accent1"/>
+              </a:solidFill>
+              <a:latin typeface="Verdana" panose="020B0604030504040204" pitchFamily="34" charset="0"/>
+              <a:ea typeface="Verdana" panose="020B0604030504040204" pitchFamily="34" charset="0"/>
+            </a:endParaRPr>
+          </a:p>
+        </p:txBody>
+      </p:sp>
+      <p:sp>
+        <p:nvSpPr>
           <p:cNvPr id="36" name="Rectangle 35">
             <a:extLst>
               <a:ext uri="{FF2B5EF4-FFF2-40B4-BE49-F238E27FC236}">
@@ -9593,173 +9902,10 @@
           </a:prstGeom>
         </p:spPr>
       </p:pic>
-      <p:sp>
-        <p:nvSpPr>
-          <p:cNvPr id="2" name="Titre 1">
-            <a:extLst>
-              <a:ext uri="{FF2B5EF4-FFF2-40B4-BE49-F238E27FC236}">
-                <a16:creationId xmlns:a16="http://schemas.microsoft.com/office/drawing/2014/main" id="{B1715C34-E47E-6109-BC84-B899BF32BBB2}"/>
-              </a:ext>
-            </a:extLst>
-          </p:cNvPr>
-          <p:cNvSpPr txBox="1">
-            <a:spLocks/>
-          </p:cNvSpPr>
-          <p:nvPr/>
-        </p:nvSpPr>
-        <p:spPr>
-          <a:xfrm>
-            <a:off x="446533" y="-514973"/>
-            <a:ext cx="5708356" cy="3600738"/>
-          </a:xfrm>
-          <a:prstGeom prst="rect">
-            <a:avLst/>
-          </a:prstGeom>
-        </p:spPr>
-        <p:txBody>
-          <a:bodyPr vert="horz" lIns="91440" tIns="45720" rIns="91440" bIns="45720" rtlCol="0" anchor="b">
-            <a:normAutofit fontScale="97500"/>
-          </a:bodyPr>
-          <a:lstStyle>
-            <a:lvl1pPr algn="l" defTabSz="457200" rtl="0" eaLnBrk="1" latinLnBrk="0" hangingPunct="1">
-              <a:spcBef>
-                <a:spcPct val="0"/>
-              </a:spcBef>
-              <a:buNone/>
-              <a:defRPr sz="2800" b="0" kern="1200" cap="all">
-                <a:solidFill>
-                  <a:schemeClr val="bg1"/>
-                </a:solidFill>
-                <a:latin typeface="+mj-lt"/>
-                <a:ea typeface="+mj-ea"/>
-                <a:cs typeface="+mj-cs"/>
-              </a:defRPr>
-            </a:lvl1pPr>
-            <a:lvl2pPr eaLnBrk="1" hangingPunct="1">
-              <a:defRPr>
-                <a:solidFill>
-                  <a:schemeClr val="tx2"/>
-                </a:solidFill>
-              </a:defRPr>
-            </a:lvl2pPr>
-            <a:lvl3pPr eaLnBrk="1" hangingPunct="1">
-              <a:defRPr>
-                <a:solidFill>
-                  <a:schemeClr val="tx2"/>
-                </a:solidFill>
-              </a:defRPr>
-            </a:lvl3pPr>
-            <a:lvl4pPr eaLnBrk="1" hangingPunct="1">
-              <a:defRPr>
-                <a:solidFill>
-                  <a:schemeClr val="tx2"/>
-                </a:solidFill>
-              </a:defRPr>
-            </a:lvl4pPr>
-            <a:lvl5pPr eaLnBrk="1" hangingPunct="1">
-              <a:defRPr>
-                <a:solidFill>
-                  <a:schemeClr val="tx2"/>
-                </a:solidFill>
-              </a:defRPr>
-            </a:lvl5pPr>
-            <a:lvl6pPr eaLnBrk="1" hangingPunct="1">
-              <a:defRPr>
-                <a:solidFill>
-                  <a:schemeClr val="tx2"/>
-                </a:solidFill>
-              </a:defRPr>
-            </a:lvl6pPr>
-            <a:lvl7pPr eaLnBrk="1" hangingPunct="1">
-              <a:defRPr>
-                <a:solidFill>
-                  <a:schemeClr val="tx2"/>
-                </a:solidFill>
-              </a:defRPr>
-            </a:lvl7pPr>
-            <a:lvl8pPr eaLnBrk="1" hangingPunct="1">
-              <a:defRPr>
-                <a:solidFill>
-                  <a:schemeClr val="tx2"/>
-                </a:solidFill>
-              </a:defRPr>
-            </a:lvl8pPr>
-            <a:lvl9pPr eaLnBrk="1" hangingPunct="1">
-              <a:defRPr>
-                <a:solidFill>
-                  <a:schemeClr val="tx2"/>
-                </a:solidFill>
-              </a:defRPr>
-            </a:lvl9pPr>
-          </a:lstStyle>
-          <a:p>
-            <a:pPr>
-              <a:lnSpc>
-                <a:spcPct val="90000"/>
-              </a:lnSpc>
-            </a:pPr>
-            <a:r>
-              <a:rPr lang="en-US" b="1" spc="-60" dirty="0" err="1">
-                <a:solidFill>
-                  <a:schemeClr val="accent1"/>
-                </a:solidFill>
-                <a:latin typeface="Verdana" panose="020B0604030504040204" pitchFamily="34" charset="0"/>
-                <a:ea typeface="Verdana" panose="020B0604030504040204" pitchFamily="34" charset="0"/>
-              </a:rPr>
-              <a:t>Etape</a:t>
-            </a:r>
-            <a:r>
-              <a:rPr lang="en-US" b="1" spc="-60" dirty="0">
-                <a:solidFill>
-                  <a:schemeClr val="accent1"/>
-                </a:solidFill>
-                <a:latin typeface="Verdana" panose="020B0604030504040204" pitchFamily="34" charset="0"/>
-                <a:ea typeface="Verdana" panose="020B0604030504040204" pitchFamily="34" charset="0"/>
-              </a:rPr>
-              <a:t> 3 :</a:t>
-            </a:r>
-            <a:br>
-              <a:rPr lang="en-US" b="1" spc="-60" dirty="0">
-                <a:solidFill>
-                  <a:schemeClr val="accent1"/>
-                </a:solidFill>
-                <a:latin typeface="Verdana" panose="020B0604030504040204" pitchFamily="34" charset="0"/>
-                <a:ea typeface="Verdana" panose="020B0604030504040204" pitchFamily="34" charset="0"/>
-              </a:rPr>
-            </a:br>
-            <a:br>
-              <a:rPr lang="en-US" b="1" spc="-60" dirty="0">
-                <a:solidFill>
-                  <a:schemeClr val="accent1"/>
-                </a:solidFill>
-                <a:latin typeface="Verdana" panose="020B0604030504040204" pitchFamily="34" charset="0"/>
-                <a:ea typeface="Verdana" panose="020B0604030504040204" pitchFamily="34" charset="0"/>
-              </a:rPr>
-            </a:br>
-            <a:r>
-              <a:rPr lang="fr-FR" spc="-60" dirty="0">
-                <a:solidFill>
-                  <a:schemeClr val="accent1"/>
-                </a:solidFill>
-                <a:latin typeface="Verdana" panose="020B0604030504040204" pitchFamily="34" charset="0"/>
-                <a:ea typeface="Verdana" panose="020B0604030504040204" pitchFamily="34" charset="0"/>
-              </a:rPr>
-              <a:t>DASHBOARD</a:t>
-            </a:r>
-            <a:endParaRPr lang="en-US" dirty="0">
-              <a:solidFill>
-                <a:schemeClr val="accent1"/>
-              </a:solidFill>
-              <a:latin typeface="Verdana" panose="020B0604030504040204" pitchFamily="34" charset="0"/>
-              <a:ea typeface="Verdana" panose="020B0604030504040204" pitchFamily="34" charset="0"/>
-            </a:endParaRPr>
-          </a:p>
-        </p:txBody>
-      </p:sp>
     </p:spTree>
     <p:extLst>
       <p:ext uri="{BB962C8B-B14F-4D97-AF65-F5344CB8AC3E}">
-        <p14:creationId xmlns:p14="http://schemas.microsoft.com/office/powerpoint/2010/main" val="3462183167"/>
+        <p14:creationId xmlns:p14="http://schemas.microsoft.com/office/powerpoint/2010/main" val="3999911766"/>
       </p:ext>
     </p:extLst>
   </p:cSld>
@@ -9841,7 +9987,17 @@
                 <a:latin typeface="Verdana" panose="020B0604030504040204" pitchFamily="34" charset="0"/>
                 <a:ea typeface="Verdana" panose="020B0604030504040204" pitchFamily="34" charset="0"/>
               </a:rPr>
-              <a:t>INTERPRETATION DU MODELE</a:t>
+              <a:t>DEPLOIEMENT DU MODELE – Plateforme / </a:t>
+            </a:r>
+            <a:r>
+              <a:rPr lang="fr-FR" sz="1800" dirty="0" err="1">
+                <a:solidFill>
+                  <a:srgbClr val="FFFFFF"/>
+                </a:solidFill>
+                <a:latin typeface="Verdana" panose="020B0604030504040204" pitchFamily="34" charset="0"/>
+                <a:ea typeface="Verdana" panose="020B0604030504040204" pitchFamily="34" charset="0"/>
+              </a:rPr>
+              <a:t>Bibliotheque</a:t>
             </a:r>
             <a:endParaRPr lang="fr-FR" sz="3200" dirty="0">
               <a:solidFill>
@@ -9916,7 +10072,7 @@
         </p:blipFill>
         <p:spPr bwMode="auto">
           <a:xfrm>
-            <a:off x="5782140" y="3572359"/>
+            <a:off x="5641321" y="5108265"/>
             <a:ext cx="1401326" cy="819823"/>
           </a:xfrm>
           <a:prstGeom prst="rect">
@@ -9934,12 +10090,89 @@
           </a:extLst>
         </p:spPr>
       </p:pic>
+      <p:pic>
+        <p:nvPicPr>
+          <p:cNvPr id="14" name="Image 13">
+            <a:extLst>
+              <a:ext uri="{FF2B5EF4-FFF2-40B4-BE49-F238E27FC236}">
+                <a16:creationId xmlns:a16="http://schemas.microsoft.com/office/drawing/2014/main" id="{44EB8749-C7B8-D402-7056-E95585A647AE}"/>
+              </a:ext>
+            </a:extLst>
+          </p:cNvPr>
+          <p:cNvPicPr>
+            <a:picLocks noChangeAspect="1"/>
+          </p:cNvPicPr>
+          <p:nvPr/>
+        </p:nvPicPr>
+        <p:blipFill>
+          <a:blip r:embed="rId3"/>
+          <a:stretch>
+            <a:fillRect/>
+          </a:stretch>
+        </p:blipFill>
+        <p:spPr>
+          <a:xfrm>
+            <a:off x="5641321" y="3844991"/>
+            <a:ext cx="1527930" cy="548188"/>
+          </a:xfrm>
+          <a:prstGeom prst="rect">
+            <a:avLst/>
+          </a:prstGeom>
+        </p:spPr>
+      </p:pic>
+      <p:pic>
+        <p:nvPicPr>
+          <p:cNvPr id="20" name="Picture 4" descr="Pytest — What is it?. Pytest is a testing framework that… | by Asmiry  Sanchez | Medium">
+            <a:extLst>
+              <a:ext uri="{FF2B5EF4-FFF2-40B4-BE49-F238E27FC236}">
+                <a16:creationId xmlns:a16="http://schemas.microsoft.com/office/drawing/2014/main" id="{92EA3BD5-633C-06B4-25FB-C72FD38F8DC7}"/>
+              </a:ext>
+            </a:extLst>
+          </p:cNvPr>
+          <p:cNvPicPr>
+            <a:picLocks noChangeAspect="1" noChangeArrowheads="1"/>
+          </p:cNvPicPr>
+          <p:nvPr/>
+        </p:nvPicPr>
+        <p:blipFill>
+          <a:blip r:embed="rId4">
+            <a:extLst>
+              <a:ext uri="{28A0092B-C50C-407E-A947-70E740481C1C}">
+                <a14:useLocalDpi xmlns:a14="http://schemas.microsoft.com/office/drawing/2010/main" val="0"/>
+              </a:ext>
+            </a:extLst>
+          </a:blip>
+          <a:srcRect/>
+          <a:stretch>
+            <a:fillRect/>
+          </a:stretch>
+        </p:blipFill>
+        <p:spPr bwMode="auto">
+          <a:xfrm>
+            <a:off x="5719227" y="2448157"/>
+            <a:ext cx="1323420" cy="613980"/>
+          </a:xfrm>
+          <a:prstGeom prst="rect">
+            <a:avLst/>
+          </a:prstGeom>
+          <a:noFill/>
+          <a:extLst>
+            <a:ext uri="{909E8E84-426E-40DD-AFC4-6F175D3DCCD1}">
+              <a14:hiddenFill xmlns:a14="http://schemas.microsoft.com/office/drawing/2010/main">
+                <a:solidFill>
+                  <a:srgbClr val="FFFFFF"/>
+                </a:solidFill>
+              </a14:hiddenFill>
+            </a:ext>
+          </a:extLst>
+        </p:spPr>
+      </p:pic>
       <p:sp>
         <p:nvSpPr>
           <p:cNvPr id="5" name="ZoneTexte 4">
             <a:extLst>
               <a:ext uri="{FF2B5EF4-FFF2-40B4-BE49-F238E27FC236}">
-                <a16:creationId xmlns:a16="http://schemas.microsoft.com/office/drawing/2014/main" id="{F2C9CA4E-129C-DBE3-E555-82811C426F8D}"/>
+                <a16:creationId xmlns:a16="http://schemas.microsoft.com/office/drawing/2014/main" id="{707888EB-548F-50BC-4AE4-BD8F116D0BDF}"/>
               </a:ext>
             </a:extLst>
           </p:cNvPr>
@@ -9948,18 +10181,13 @@
         </p:nvSpPr>
         <p:spPr>
           <a:xfrm>
-            <a:off x="479565" y="1926059"/>
-            <a:ext cx="11097084" cy="1036951"/>
+            <a:off x="2036744" y="2235448"/>
+            <a:ext cx="2630858" cy="984565"/>
           </a:xfrm>
           <a:prstGeom prst="rect">
             <a:avLst/>
           </a:prstGeom>
-          <a:solidFill>
-            <a:schemeClr val="tx2">
-              <a:lumMod val="20000"/>
-              <a:lumOff val="80000"/>
-            </a:schemeClr>
-          </a:solidFill>
+          <a:noFill/>
         </p:spPr>
         <p:txBody>
           <a:bodyPr wrap="square">
@@ -9967,198 +10195,391 @@
           </a:bodyPr>
           <a:lstStyle/>
           <a:p>
-            <a:pPr marL="171450" indent="-171450">
+            <a:pPr algn="just">
               <a:lnSpc>
                 <a:spcPct val="150000"/>
               </a:lnSpc>
-              <a:buFont typeface="Wingdings" panose="05000000000000000000" pitchFamily="2" charset="2"/>
-              <a:buChar char="à"/>
             </a:pPr>
             <a:r>
-              <a:rPr lang="fr-FR" sz="1000" b="1" dirty="0" err="1">
-                <a:latin typeface="Verdana" panose="020B0604030504040204" pitchFamily="34" charset="0"/>
-                <a:ea typeface="Verdana" panose="020B0604030504040204" pitchFamily="34" charset="0"/>
-                <a:sym typeface="Wingdings" panose="05000000000000000000" pitchFamily="2" charset="2"/>
-              </a:rPr>
-              <a:t>Dashbord</a:t>
-            </a:r>
-            <a:r>
-              <a:rPr lang="fr-FR" sz="1000" b="1" dirty="0">
-                <a:latin typeface="Verdana" panose="020B0604030504040204" pitchFamily="34" charset="0"/>
-                <a:ea typeface="Verdana" panose="020B0604030504040204" pitchFamily="34" charset="0"/>
-                <a:sym typeface="Wingdings" panose="05000000000000000000" pitchFamily="2" charset="2"/>
-              </a:rPr>
-              <a:t> permet : </a:t>
-            </a:r>
-          </a:p>
-          <a:p>
-            <a:pPr marL="628650" lvl="1" indent="-171450">
+              <a:rPr lang="fr-FR" sz="1000" b="1" i="0" dirty="0">
+                <a:solidFill>
+                  <a:srgbClr val="040C28"/>
+                </a:solidFill>
+                <a:effectLst/>
+                <a:latin typeface="Verdana" panose="020B0604030504040204" pitchFamily="34" charset="0"/>
+                <a:ea typeface="Verdana" panose="020B0604030504040204" pitchFamily="34" charset="0"/>
+              </a:rPr>
+              <a:t>Site de partage </a:t>
+            </a:r>
+            <a:r>
+              <a:rPr lang="fr-FR" sz="1000" b="0" i="0" dirty="0">
+                <a:solidFill>
+                  <a:srgbClr val="040C28"/>
+                </a:solidFill>
+                <a:effectLst/>
+                <a:latin typeface="Verdana" panose="020B0604030504040204" pitchFamily="34" charset="0"/>
+                <a:ea typeface="Verdana" panose="020B0604030504040204" pitchFamily="34" charset="0"/>
+              </a:rPr>
+              <a:t>de code, sur lequel on peut publier des projets dont le code est géré avec le système de gestion de version Git</a:t>
+            </a:r>
+            <a:r>
+              <a:rPr lang="fr-FR" sz="1000" b="0" i="0" dirty="0">
+                <a:solidFill>
+                  <a:srgbClr val="202124"/>
+                </a:solidFill>
+                <a:effectLst/>
+                <a:latin typeface="Verdana" panose="020B0604030504040204" pitchFamily="34" charset="0"/>
+                <a:ea typeface="Verdana" panose="020B0604030504040204" pitchFamily="34" charset="0"/>
+              </a:rPr>
+              <a:t>.</a:t>
+            </a:r>
+            <a:endParaRPr lang="fr-FR" sz="1000" dirty="0">
+              <a:latin typeface="Verdana" panose="020B0604030504040204" pitchFamily="34" charset="0"/>
+              <a:ea typeface="Verdana" panose="020B0604030504040204" pitchFamily="34" charset="0"/>
+            </a:endParaRPr>
+          </a:p>
+        </p:txBody>
+      </p:sp>
+      <p:sp>
+        <p:nvSpPr>
+          <p:cNvPr id="7" name="ZoneTexte 6">
+            <a:extLst>
+              <a:ext uri="{FF2B5EF4-FFF2-40B4-BE49-F238E27FC236}">
+                <a16:creationId xmlns:a16="http://schemas.microsoft.com/office/drawing/2014/main" id="{30049BD7-7576-6883-8084-20AB393E2E97}"/>
+              </a:ext>
+            </a:extLst>
+          </p:cNvPr>
+          <p:cNvSpPr txBox="1"/>
+          <p:nvPr/>
+        </p:nvSpPr>
+        <p:spPr>
+          <a:xfrm>
+            <a:off x="2011527" y="4393179"/>
+            <a:ext cx="2885937" cy="1677062"/>
+          </a:xfrm>
+          <a:prstGeom prst="rect">
+            <a:avLst/>
+          </a:prstGeom>
+          <a:noFill/>
+        </p:spPr>
+        <p:txBody>
+          <a:bodyPr wrap="square">
+            <a:spAutoFit/>
+          </a:bodyPr>
+          <a:lstStyle/>
+          <a:p>
+            <a:pPr algn="just">
               <a:lnSpc>
                 <a:spcPct val="150000"/>
               </a:lnSpc>
-              <a:buFont typeface="Wingdings" panose="05000000000000000000" pitchFamily="2" charset="2"/>
-              <a:buChar char="à"/>
             </a:pPr>
             <a:r>
-              <a:rPr lang="fr-FR" sz="800" dirty="0">
-                <a:latin typeface="Verdana" panose="020B0604030504040204" pitchFamily="34" charset="0"/>
-                <a:ea typeface="Verdana" panose="020B0604030504040204" pitchFamily="34" charset="0"/>
-                <a:sym typeface="Wingdings" panose="05000000000000000000" pitchFamily="2" charset="2"/>
-              </a:rPr>
-              <a:t>De sélectionner un client</a:t>
-            </a:r>
-          </a:p>
-          <a:p>
-            <a:pPr marL="628650" lvl="1" indent="-171450">
+              <a:rPr lang="fr-FR" sz="1000" b="1" dirty="0">
+                <a:solidFill>
+                  <a:srgbClr val="040C28"/>
+                </a:solidFill>
+                <a:latin typeface="Verdana" panose="020B0604030504040204" pitchFamily="34" charset="0"/>
+                <a:ea typeface="Verdana" panose="020B0604030504040204" pitchFamily="34" charset="0"/>
+              </a:rPr>
+              <a:t>Plateforme d’intégration continue et livraison continue </a:t>
+            </a:r>
+            <a:r>
+              <a:rPr lang="fr-FR" sz="1000" dirty="0">
+                <a:solidFill>
+                  <a:srgbClr val="040C28"/>
+                </a:solidFill>
+                <a:latin typeface="Verdana" panose="020B0604030504040204" pitchFamily="34" charset="0"/>
+                <a:ea typeface="Verdana" panose="020B0604030504040204" pitchFamily="34" charset="0"/>
+              </a:rPr>
+              <a:t>(CI/CD) qui permet d’automatiser le pipeline de génération, de test et de déploiement grâce à un workflow (processus automatisé - un fichier YAML qui est déclenché par un événement dans votre dépôt</a:t>
+            </a:r>
+          </a:p>
+        </p:txBody>
+      </p:sp>
+      <p:pic>
+        <p:nvPicPr>
+          <p:cNvPr id="1026" name="Picture 2" descr="What Is GitHub? Definition, Uses, &amp; Getting Started">
+            <a:extLst>
+              <a:ext uri="{FF2B5EF4-FFF2-40B4-BE49-F238E27FC236}">
+                <a16:creationId xmlns:a16="http://schemas.microsoft.com/office/drawing/2014/main" id="{973BEA2F-C2CC-F0DC-26EE-7FB8CE81805A}"/>
+              </a:ext>
+            </a:extLst>
+          </p:cNvPr>
+          <p:cNvPicPr>
+            <a:picLocks noChangeAspect="1" noChangeArrowheads="1"/>
+          </p:cNvPicPr>
+          <p:nvPr/>
+        </p:nvPicPr>
+        <p:blipFill rotWithShape="1">
+          <a:blip r:embed="rId5">
+            <a:extLst>
+              <a:ext uri="{28A0092B-C50C-407E-A947-70E740481C1C}">
+                <a14:useLocalDpi xmlns:a14="http://schemas.microsoft.com/office/drawing/2010/main" val="0"/>
+              </a:ext>
+            </a:extLst>
+          </a:blip>
+          <a:srcRect l="21105" t="3425" r="22572" b="7998"/>
+          <a:stretch/>
+        </p:blipFill>
+        <p:spPr bwMode="auto">
+          <a:xfrm>
+            <a:off x="544419" y="2081294"/>
+            <a:ext cx="1362282" cy="1347706"/>
+          </a:xfrm>
+          <a:prstGeom prst="rect">
+            <a:avLst/>
+          </a:prstGeom>
+          <a:noFill/>
+          <a:extLst>
+            <a:ext uri="{909E8E84-426E-40DD-AFC4-6F175D3DCCD1}">
+              <a14:hiddenFill xmlns:a14="http://schemas.microsoft.com/office/drawing/2010/main">
+                <a:solidFill>
+                  <a:srgbClr val="FFFFFF"/>
+                </a:solidFill>
+              </a14:hiddenFill>
+            </a:ext>
+          </a:extLst>
+        </p:spPr>
+      </p:pic>
+      <p:pic>
+        <p:nvPicPr>
+          <p:cNvPr id="12" name="Image 11" descr="Une image contenant Police, Graphique, logo, blanc&#10;&#10;Description générée automatiquement">
+            <a:extLst>
+              <a:ext uri="{FF2B5EF4-FFF2-40B4-BE49-F238E27FC236}">
+                <a16:creationId xmlns:a16="http://schemas.microsoft.com/office/drawing/2014/main" id="{EA73F3C6-CEE2-8D5F-0978-46FE77D48A57}"/>
+              </a:ext>
+            </a:extLst>
+          </p:cNvPr>
+          <p:cNvPicPr>
+            <a:picLocks noChangeAspect="1"/>
+          </p:cNvPicPr>
+          <p:nvPr/>
+        </p:nvPicPr>
+        <p:blipFill rotWithShape="1">
+          <a:blip r:embed="rId6">
+            <a:extLst>
+              <a:ext uri="{28A0092B-C50C-407E-A947-70E740481C1C}">
+                <a14:useLocalDpi xmlns:a14="http://schemas.microsoft.com/office/drawing/2010/main" val="0"/>
+              </a:ext>
+            </a:extLst>
+          </a:blip>
+          <a:srcRect l="17332" t="4121" r="19703" b="5053"/>
+          <a:stretch/>
+        </p:blipFill>
+        <p:spPr>
+          <a:xfrm>
+            <a:off x="519536" y="4557603"/>
+            <a:ext cx="1491991" cy="1101325"/>
+          </a:xfrm>
+          <a:prstGeom prst="rect">
+            <a:avLst/>
+          </a:prstGeom>
+        </p:spPr>
+      </p:pic>
+      <p:sp>
+        <p:nvSpPr>
+          <p:cNvPr id="15" name="ZoneTexte 14">
+            <a:extLst>
+              <a:ext uri="{FF2B5EF4-FFF2-40B4-BE49-F238E27FC236}">
+                <a16:creationId xmlns:a16="http://schemas.microsoft.com/office/drawing/2014/main" id="{C94A4646-EC03-F2F4-5CAD-E9D4A5DFC956}"/>
+              </a:ext>
+            </a:extLst>
+          </p:cNvPr>
+          <p:cNvSpPr txBox="1"/>
+          <p:nvPr/>
+        </p:nvSpPr>
+        <p:spPr>
+          <a:xfrm>
+            <a:off x="7225939" y="2228314"/>
+            <a:ext cx="4421642" cy="984565"/>
+          </a:xfrm>
+          <a:prstGeom prst="rect">
+            <a:avLst/>
+          </a:prstGeom>
+          <a:noFill/>
+        </p:spPr>
+        <p:txBody>
+          <a:bodyPr wrap="square">
+            <a:spAutoFit/>
+          </a:bodyPr>
+          <a:lstStyle/>
+          <a:p>
+            <a:pPr>
               <a:lnSpc>
                 <a:spcPct val="150000"/>
               </a:lnSpc>
-              <a:buFont typeface="Wingdings" panose="05000000000000000000" pitchFamily="2" charset="2"/>
-              <a:buChar char="à"/>
             </a:pPr>
             <a:r>
-              <a:rPr lang="fr-FR" sz="800" dirty="0">
-                <a:latin typeface="Verdana" panose="020B0604030504040204" pitchFamily="34" charset="0"/>
-                <a:ea typeface="Verdana" panose="020B0604030504040204" pitchFamily="34" charset="0"/>
-                <a:sym typeface="Wingdings" panose="05000000000000000000" pitchFamily="2" charset="2"/>
-              </a:rPr>
-              <a:t>D’afficher des éléments clés du portefeuille source ayant servi à la modélisation</a:t>
-            </a:r>
-          </a:p>
-          <a:p>
-            <a:pPr marL="628650" lvl="1" indent="-171450">
+              <a:rPr lang="fr-FR" sz="1000" dirty="0">
+                <a:solidFill>
+                  <a:srgbClr val="040C28"/>
+                </a:solidFill>
+                <a:latin typeface="Verdana" panose="020B0604030504040204" pitchFamily="34" charset="0"/>
+                <a:ea typeface="Verdana" panose="020B0604030504040204" pitchFamily="34" charset="0"/>
+              </a:rPr>
+              <a:t>Framework permettant de faire des tests et de vérifier si les différentes conditions sont juste ou fausse. Il permet de tester les éléments un à un mais on peut aussi lui demander de faire une série de tests. </a:t>
+            </a:r>
+          </a:p>
+        </p:txBody>
+      </p:sp>
+      <p:sp>
+        <p:nvSpPr>
+          <p:cNvPr id="17" name="ZoneTexte 16">
+            <a:extLst>
+              <a:ext uri="{FF2B5EF4-FFF2-40B4-BE49-F238E27FC236}">
+                <a16:creationId xmlns:a16="http://schemas.microsoft.com/office/drawing/2014/main" id="{8A286237-1398-1035-A046-DF999964385E}"/>
+              </a:ext>
+            </a:extLst>
+          </p:cNvPr>
+          <p:cNvSpPr txBox="1"/>
+          <p:nvPr/>
+        </p:nvSpPr>
+        <p:spPr>
+          <a:xfrm>
+            <a:off x="7169251" y="3645122"/>
+            <a:ext cx="4421642" cy="1215397"/>
+          </a:xfrm>
+          <a:prstGeom prst="rect">
+            <a:avLst/>
+          </a:prstGeom>
+          <a:noFill/>
+        </p:spPr>
+        <p:txBody>
+          <a:bodyPr wrap="square">
+            <a:spAutoFit/>
+          </a:bodyPr>
+          <a:lstStyle/>
+          <a:p>
+            <a:pPr>
               <a:lnSpc>
                 <a:spcPct val="150000"/>
               </a:lnSpc>
-              <a:buFont typeface="Wingdings" panose="05000000000000000000" pitchFamily="2" charset="2"/>
-              <a:buChar char="à"/>
             </a:pPr>
             <a:r>
-              <a:rPr lang="fr-FR" sz="800" dirty="0">
-                <a:latin typeface="Verdana" panose="020B0604030504040204" pitchFamily="34" charset="0"/>
-                <a:ea typeface="Verdana" panose="020B0604030504040204" pitchFamily="34" charset="0"/>
-                <a:sym typeface="Wingdings" panose="05000000000000000000" pitchFamily="2" charset="2"/>
-              </a:rPr>
-              <a:t>Affichage des informations pertinentes du clients et positionnement par rapport au portefeuille source</a:t>
-            </a:r>
-          </a:p>
-          <a:p>
-            <a:pPr marL="628650" lvl="1" indent="-171450">
+              <a:rPr lang="fr-FR" sz="1000" dirty="0">
+                <a:solidFill>
+                  <a:srgbClr val="040C28"/>
+                </a:solidFill>
+                <a:latin typeface="Verdana" panose="020B0604030504040204" pitchFamily="34" charset="0"/>
+                <a:ea typeface="Verdana" panose="020B0604030504040204" pitchFamily="34" charset="0"/>
+              </a:rPr>
+              <a:t>Plateforme permettant de créer, déployer et faire évoluer vos applications (site statique rapide et gratuit). En associant le site à un dépôt </a:t>
+            </a:r>
+            <a:r>
+              <a:rPr lang="fr-FR" sz="1000" dirty="0" err="1">
+                <a:solidFill>
+                  <a:srgbClr val="040C28"/>
+                </a:solidFill>
+                <a:latin typeface="Verdana" panose="020B0604030504040204" pitchFamily="34" charset="0"/>
+                <a:ea typeface="Verdana" panose="020B0604030504040204" pitchFamily="34" charset="0"/>
+              </a:rPr>
+              <a:t>Github</a:t>
+            </a:r>
+            <a:r>
+              <a:rPr lang="fr-FR" sz="1000" dirty="0">
+                <a:solidFill>
+                  <a:srgbClr val="040C28"/>
+                </a:solidFill>
+                <a:latin typeface="Verdana" panose="020B0604030504040204" pitchFamily="34" charset="0"/>
+                <a:ea typeface="Verdana" panose="020B0604030504040204" pitchFamily="34" charset="0"/>
+              </a:rPr>
+              <a:t>, </a:t>
+            </a:r>
+            <a:r>
+              <a:rPr lang="fr-FR" sz="1000" dirty="0" err="1">
+                <a:solidFill>
+                  <a:srgbClr val="040C28"/>
+                </a:solidFill>
+                <a:latin typeface="Verdana" panose="020B0604030504040204" pitchFamily="34" charset="0"/>
+                <a:ea typeface="Verdana" panose="020B0604030504040204" pitchFamily="34" charset="0"/>
+              </a:rPr>
+              <a:t>Render</a:t>
+            </a:r>
+            <a:r>
+              <a:rPr lang="fr-FR" sz="1000" dirty="0">
+                <a:solidFill>
+                  <a:srgbClr val="040C28"/>
+                </a:solidFill>
+                <a:latin typeface="Verdana" panose="020B0604030504040204" pitchFamily="34" charset="0"/>
+                <a:ea typeface="Verdana" panose="020B0604030504040204" pitchFamily="34" charset="0"/>
+              </a:rPr>
+              <a:t> met automatiquement à jour votre site à chaque poussée vers la branche spécifiée.</a:t>
+            </a:r>
+            <a:br>
+              <a:rPr lang="fr-FR" sz="1000" dirty="0"/>
+            </a:br>
+            <a:endParaRPr lang="fr-FR" sz="1000" dirty="0">
+              <a:solidFill>
+                <a:srgbClr val="040C28"/>
+              </a:solidFill>
+              <a:latin typeface="Verdana" panose="020B0604030504040204" pitchFamily="34" charset="0"/>
+              <a:ea typeface="Verdana" panose="020B0604030504040204" pitchFamily="34" charset="0"/>
+            </a:endParaRPr>
+          </a:p>
+        </p:txBody>
+      </p:sp>
+      <p:sp>
+        <p:nvSpPr>
+          <p:cNvPr id="25" name="ZoneTexte 24">
+            <a:extLst>
+              <a:ext uri="{FF2B5EF4-FFF2-40B4-BE49-F238E27FC236}">
+                <a16:creationId xmlns:a16="http://schemas.microsoft.com/office/drawing/2014/main" id="{50CF9757-FD71-C432-88A9-44BCAE29A82D}"/>
+              </a:ext>
+            </a:extLst>
+          </p:cNvPr>
+          <p:cNvSpPr txBox="1"/>
+          <p:nvPr/>
+        </p:nvSpPr>
+        <p:spPr>
+          <a:xfrm>
+            <a:off x="7141028" y="5176033"/>
+            <a:ext cx="4421642" cy="753732"/>
+          </a:xfrm>
+          <a:prstGeom prst="rect">
+            <a:avLst/>
+          </a:prstGeom>
+          <a:noFill/>
+        </p:spPr>
+        <p:txBody>
+          <a:bodyPr wrap="square">
+            <a:spAutoFit/>
+          </a:bodyPr>
+          <a:lstStyle/>
+          <a:p>
+            <a:pPr>
               <a:lnSpc>
                 <a:spcPct val="150000"/>
               </a:lnSpc>
-              <a:buFont typeface="Wingdings" panose="05000000000000000000" pitchFamily="2" charset="2"/>
-              <a:buChar char="à"/>
             </a:pPr>
             <a:r>
-              <a:rPr lang="fr-FR" sz="800" dirty="0">
-                <a:latin typeface="Verdana" panose="020B0604030504040204" pitchFamily="34" charset="0"/>
-                <a:ea typeface="Verdana" panose="020B0604030504040204" pitchFamily="34" charset="0"/>
-                <a:sym typeface="Wingdings" panose="05000000000000000000" pitchFamily="2" charset="2"/>
-              </a:rPr>
-              <a:t>Affichage de la probabilité de risque de défaut de crédit pour le client sélectionner et représentation locale de SHAP</a:t>
-            </a:r>
-            <a:endParaRPr lang="fr-FR" sz="800" dirty="0">
-              <a:latin typeface="Verdana" panose="020B0604030504040204" pitchFamily="34" charset="0"/>
-              <a:ea typeface="Verdana" panose="020B0604030504040204" pitchFamily="34" charset="0"/>
-            </a:endParaRPr>
-          </a:p>
-        </p:txBody>
-      </p:sp>
-      <p:sp>
-        <p:nvSpPr>
-          <p:cNvPr id="3" name="Rectangle : coins arrondis 2">
-            <a:extLst>
-              <a:ext uri="{FF2B5EF4-FFF2-40B4-BE49-F238E27FC236}">
-                <a16:creationId xmlns:a16="http://schemas.microsoft.com/office/drawing/2014/main" id="{6BCF7334-F945-0D84-07A1-BD467B3EA213}"/>
-              </a:ext>
-            </a:extLst>
-          </p:cNvPr>
-          <p:cNvSpPr/>
-          <p:nvPr/>
-        </p:nvSpPr>
-        <p:spPr>
-          <a:xfrm>
-            <a:off x="1720312" y="3231397"/>
-            <a:ext cx="1859796" cy="340962"/>
-          </a:xfrm>
-          <a:prstGeom prst="roundRect">
-            <a:avLst/>
-          </a:prstGeom>
-        </p:spPr>
-        <p:style>
-          <a:lnRef idx="2">
-            <a:schemeClr val="accent1">
-              <a:shade val="15000"/>
-            </a:schemeClr>
-          </a:lnRef>
-          <a:fillRef idx="1">
-            <a:schemeClr val="accent1"/>
-          </a:fillRef>
-          <a:effectRef idx="0">
-            <a:schemeClr val="accent1"/>
-          </a:effectRef>
-          <a:fontRef idx="minor">
-            <a:schemeClr val="lt1"/>
-          </a:fontRef>
-        </p:style>
-        <p:txBody>
-          <a:bodyPr rtlCol="0" anchor="ctr"/>
-          <a:lstStyle/>
-          <a:p>
-            <a:pPr algn="ctr"/>
-            <a:r>
-              <a:rPr lang="fr-FR" dirty="0"/>
-              <a:t>BACK</a:t>
-            </a:r>
-          </a:p>
-        </p:txBody>
-      </p:sp>
-      <p:sp>
-        <p:nvSpPr>
-          <p:cNvPr id="6" name="Rectangle : coins arrondis 5">
-            <a:extLst>
-              <a:ext uri="{FF2B5EF4-FFF2-40B4-BE49-F238E27FC236}">
-                <a16:creationId xmlns:a16="http://schemas.microsoft.com/office/drawing/2014/main" id="{4FBE07B5-1D8F-7779-A400-1B4AF1D06411}"/>
-              </a:ext>
-            </a:extLst>
-          </p:cNvPr>
-          <p:cNvSpPr/>
-          <p:nvPr/>
-        </p:nvSpPr>
-        <p:spPr>
-          <a:xfrm>
-            <a:off x="5592306" y="3213316"/>
-            <a:ext cx="1859796" cy="340962"/>
-          </a:xfrm>
-          <a:prstGeom prst="roundRect">
-            <a:avLst/>
-          </a:prstGeom>
-        </p:spPr>
-        <p:style>
-          <a:lnRef idx="2">
-            <a:schemeClr val="accent1">
-              <a:shade val="15000"/>
-            </a:schemeClr>
-          </a:lnRef>
-          <a:fillRef idx="1">
-            <a:schemeClr val="accent1"/>
-          </a:fillRef>
-          <a:effectRef idx="0">
-            <a:schemeClr val="accent1"/>
-          </a:effectRef>
-          <a:fontRef idx="minor">
-            <a:schemeClr val="lt1"/>
-          </a:fontRef>
-        </p:style>
-        <p:txBody>
-          <a:bodyPr rtlCol="0" anchor="ctr"/>
-          <a:lstStyle/>
-          <a:p>
-            <a:pPr algn="ctr"/>
-            <a:r>
-              <a:rPr lang="fr-FR" dirty="0"/>
-              <a:t>FRONT</a:t>
+              <a:rPr lang="fr-FR" sz="1000" dirty="0">
+                <a:solidFill>
+                  <a:srgbClr val="040C28"/>
+                </a:solidFill>
+                <a:latin typeface="Verdana" panose="020B0604030504040204" pitchFamily="34" charset="0"/>
+                <a:ea typeface="Verdana" panose="020B0604030504040204" pitchFamily="34" charset="0"/>
+              </a:rPr>
+              <a:t>Bibliothèque open-source qui permet aux data </a:t>
+            </a:r>
+            <a:r>
+              <a:rPr lang="fr-FR" sz="1000" dirty="0" err="1">
+                <a:solidFill>
+                  <a:srgbClr val="040C28"/>
+                </a:solidFill>
+                <a:latin typeface="Verdana" panose="020B0604030504040204" pitchFamily="34" charset="0"/>
+                <a:ea typeface="Verdana" panose="020B0604030504040204" pitchFamily="34" charset="0"/>
+              </a:rPr>
+              <a:t>scientists</a:t>
+            </a:r>
+            <a:r>
+              <a:rPr lang="fr-FR" sz="1000" dirty="0">
+                <a:solidFill>
+                  <a:srgbClr val="040C28"/>
+                </a:solidFill>
+                <a:latin typeface="Verdana" panose="020B0604030504040204" pitchFamily="34" charset="0"/>
+                <a:ea typeface="Verdana" panose="020B0604030504040204" pitchFamily="34" charset="0"/>
+              </a:rPr>
+              <a:t> de créer des applications web pour la visualisation de données de manière rapide et efficace</a:t>
             </a:r>
           </a:p>
         </p:txBody>
@@ -10166,7 +10587,7 @@
     </p:spTree>
     <p:extLst>
       <p:ext uri="{BB962C8B-B14F-4D97-AF65-F5344CB8AC3E}">
-        <p14:creationId xmlns:p14="http://schemas.microsoft.com/office/powerpoint/2010/main" val="2908848511"/>
+        <p14:creationId xmlns:p14="http://schemas.microsoft.com/office/powerpoint/2010/main" val="3055542280"/>
       </p:ext>
     </p:extLst>
   </p:cSld>
@@ -10179,14 +10600,6 @@
 <file path=ppt/slides/slide16.xml><?xml version="1.0" encoding="utf-8"?>
 <p:sld xmlns:a="http://schemas.openxmlformats.org/drawingml/2006/main" xmlns:r="http://schemas.openxmlformats.org/officeDocument/2006/relationships" xmlns:p="http://schemas.openxmlformats.org/presentationml/2006/main">
   <p:cSld>
-    <p:bg>
-      <p:bgPr>
-        <a:solidFill>
-          <a:schemeClr val="bg1"/>
-        </a:solidFill>
-        <a:effectLst/>
-      </p:bgPr>
-    </p:bg>
     <p:spTree>
       <p:nvGrpSpPr>
         <p:cNvPr id="1" name=""/>
@@ -10201,560 +10614,440 @@
           <a:chExt cx="0" cy="0"/>
         </a:xfrm>
       </p:grpSpPr>
-      <p:sp>
-        <p:nvSpPr>
-          <p:cNvPr id="26" name="Rectangle 25">
+      <p:cxnSp>
+        <p:nvCxnSpPr>
+          <p:cNvPr id="22" name="Connecteur droit avec flèche 21">
             <a:extLst>
               <a:ext uri="{FF2B5EF4-FFF2-40B4-BE49-F238E27FC236}">
-                <a16:creationId xmlns:a16="http://schemas.microsoft.com/office/drawing/2014/main" id="{DB691D59-8F51-4DD8-AD41-D568D29B08F8}"/>
-              </a:ext>
-              <a:ext uri="{C183D7F6-B498-43B3-948B-1728B52AA6E4}">
-                <adec:decorative xmlns:adec="http://schemas.microsoft.com/office/drawing/2017/decorative" val="1"/>
+                <a16:creationId xmlns:a16="http://schemas.microsoft.com/office/drawing/2014/main" id="{9408F51F-3D3B-A6EC-90B4-7CE50BDE3652}"/>
+              </a:ext>
+            </a:extLst>
+          </p:cNvPr>
+          <p:cNvCxnSpPr>
+            <a:cxnSpLocks/>
+          </p:cNvCxnSpPr>
+          <p:nvPr/>
+        </p:nvCxnSpPr>
+        <p:spPr>
+          <a:xfrm>
+            <a:off x="2870421" y="3488470"/>
+            <a:ext cx="0" cy="606387"/>
+          </a:xfrm>
+          <a:prstGeom prst="straightConnector1">
+            <a:avLst/>
+          </a:prstGeom>
+          <a:ln w="38100">
+            <a:prstDash val="dash"/>
+            <a:tailEnd type="triangle"/>
+          </a:ln>
+        </p:spPr>
+        <p:style>
+          <a:lnRef idx="1">
+            <a:schemeClr val="accent1"/>
+          </a:lnRef>
+          <a:fillRef idx="0">
+            <a:schemeClr val="accent1"/>
+          </a:fillRef>
+          <a:effectRef idx="0">
+            <a:schemeClr val="accent1"/>
+          </a:effectRef>
+          <a:fontRef idx="minor">
+            <a:schemeClr val="tx1"/>
+          </a:fontRef>
+        </p:style>
+      </p:cxnSp>
+      <p:sp>
+        <p:nvSpPr>
+          <p:cNvPr id="2" name="Titre 1">
+            <a:extLst>
+              <a:ext uri="{FF2B5EF4-FFF2-40B4-BE49-F238E27FC236}">
+                <a16:creationId xmlns:a16="http://schemas.microsoft.com/office/drawing/2014/main" id="{4279B1F2-92FB-39C6-14F8-3BBEB272E340}"/>
               </a:ext>
             </a:extLst>
           </p:cNvPr>
           <p:cNvSpPr>
-            <a:spLocks noGrp="1" noRot="1" noChangeAspect="1" noMove="1" noResize="1" noEditPoints="1" noAdjustHandles="1" noChangeArrowheads="1" noChangeShapeType="1" noTextEdit="1"/>
+            <a:spLocks noGrp="1"/>
           </p:cNvSpPr>
           <p:nvPr>
-            <p:extLst>
-              <p:ext uri="{386F3935-93C4-4BCD-93E2-E3B085C9AB24}">
-                <p16:designElem xmlns:p16="http://schemas.microsoft.com/office/powerpoint/2015/main" val="1"/>
-              </p:ext>
-            </p:extLst>
+            <p:ph type="title"/>
           </p:nvPr>
         </p:nvSpPr>
         <p:spPr>
           <a:xfrm>
-            <a:off x="446534" y="457200"/>
-            <a:ext cx="3703320" cy="94997"/>
+            <a:off x="479565" y="645200"/>
+            <a:ext cx="11433513" cy="864423"/>
+          </a:xfrm>
+        </p:spPr>
+        <p:txBody>
+          <a:bodyPr anchor="ctr">
+            <a:normAutofit/>
+          </a:bodyPr>
+          <a:lstStyle/>
+          <a:p>
+            <a:r>
+              <a:rPr lang="fr-FR" sz="3200" b="1" dirty="0">
+                <a:solidFill>
+                  <a:srgbClr val="FFFFFF"/>
+                </a:solidFill>
+                <a:latin typeface="Verdana" panose="020B0604030504040204" pitchFamily="34" charset="0"/>
+                <a:ea typeface="Verdana" panose="020B0604030504040204" pitchFamily="34" charset="0"/>
+              </a:rPr>
+              <a:t>DASHBOARD</a:t>
+            </a:r>
+            <a:br>
+              <a:rPr lang="fr-FR" sz="3200" b="1" dirty="0">
+                <a:solidFill>
+                  <a:srgbClr val="FFFFFF"/>
+                </a:solidFill>
+                <a:latin typeface="Verdana" panose="020B0604030504040204" pitchFamily="34" charset="0"/>
+                <a:ea typeface="Verdana" panose="020B0604030504040204" pitchFamily="34" charset="0"/>
+              </a:rPr>
+            </a:br>
+            <a:r>
+              <a:rPr lang="fr-FR" sz="1800" dirty="0" err="1">
+                <a:solidFill>
+                  <a:srgbClr val="FFFFFF"/>
+                </a:solidFill>
+                <a:latin typeface="Verdana" panose="020B0604030504040204" pitchFamily="34" charset="0"/>
+                <a:ea typeface="Verdana" panose="020B0604030504040204" pitchFamily="34" charset="0"/>
+              </a:rPr>
+              <a:t>PRiNCIPE</a:t>
+            </a:r>
+            <a:r>
+              <a:rPr lang="fr-FR" sz="1800" dirty="0">
+                <a:solidFill>
+                  <a:srgbClr val="FFFFFF"/>
+                </a:solidFill>
+                <a:latin typeface="Verdana" panose="020B0604030504040204" pitchFamily="34" charset="0"/>
+                <a:ea typeface="Verdana" panose="020B0604030504040204" pitchFamily="34" charset="0"/>
+              </a:rPr>
+              <a:t> DE DEPLOIEMENT &amp; INTEGRATION DES MODIFICATIONS</a:t>
+            </a:r>
+            <a:endParaRPr lang="fr-FR" sz="3200" dirty="0">
+              <a:solidFill>
+                <a:srgbClr val="FFFFFF"/>
+              </a:solidFill>
+              <a:latin typeface="Verdana" panose="020B0604030504040204" pitchFamily="34" charset="0"/>
+              <a:ea typeface="Verdana" panose="020B0604030504040204" pitchFamily="34" charset="0"/>
+            </a:endParaRPr>
+          </a:p>
+        </p:txBody>
+      </p:sp>
+      <p:sp>
+        <p:nvSpPr>
+          <p:cNvPr id="4" name="Espace réservé du numéro de diapositive 3">
+            <a:extLst>
+              <a:ext uri="{FF2B5EF4-FFF2-40B4-BE49-F238E27FC236}">
+                <a16:creationId xmlns:a16="http://schemas.microsoft.com/office/drawing/2014/main" id="{28736CAC-C62E-D7DD-D4C6-0AC9DF4A27C5}"/>
+              </a:ext>
+            </a:extLst>
+          </p:cNvPr>
+          <p:cNvSpPr>
+            <a:spLocks noGrp="1"/>
+          </p:cNvSpPr>
+          <p:nvPr>
+            <p:ph type="sldNum" sz="quarter" idx="12"/>
+          </p:nvPr>
+        </p:nvSpPr>
+        <p:spPr>
+          <a:xfrm>
+            <a:off x="10670789" y="6330529"/>
+            <a:ext cx="1052508" cy="365125"/>
+          </a:xfrm>
+        </p:spPr>
+        <p:txBody>
+          <a:bodyPr/>
+          <a:lstStyle/>
+          <a:p>
+            <a:fld id="{A46C9AE1-DB3E-4619-AB60-AF335A7A74F1}" type="slidenum">
+              <a:rPr lang="fr-FR" sz="1600" b="1" smtClean="0"/>
+              <a:t>16</a:t>
+            </a:fld>
+            <a:endParaRPr lang="fr-FR" sz="1600" b="1" dirty="0"/>
+          </a:p>
+        </p:txBody>
+      </p:sp>
+      <p:pic>
+        <p:nvPicPr>
+          <p:cNvPr id="1030" name="Picture 6">
+            <a:extLst>
+              <a:ext uri="{FF2B5EF4-FFF2-40B4-BE49-F238E27FC236}">
+                <a16:creationId xmlns:a16="http://schemas.microsoft.com/office/drawing/2014/main" id="{6712BBEC-CFA8-9B7C-42A6-E667E10DEF0F}"/>
+              </a:ext>
+            </a:extLst>
+          </p:cNvPr>
+          <p:cNvPicPr>
+            <a:picLocks noChangeAspect="1" noChangeArrowheads="1"/>
+          </p:cNvPicPr>
+          <p:nvPr/>
+        </p:nvPicPr>
+        <p:blipFill>
+          <a:blip r:embed="rId2">
+            <a:extLst>
+              <a:ext uri="{28A0092B-C50C-407E-A947-70E740481C1C}">
+                <a14:useLocalDpi xmlns:a14="http://schemas.microsoft.com/office/drawing/2010/main" val="0"/>
+              </a:ext>
+            </a:extLst>
+          </a:blip>
+          <a:srcRect/>
+          <a:stretch>
+            <a:fillRect/>
+          </a:stretch>
+        </p:blipFill>
+        <p:spPr bwMode="auto">
+          <a:xfrm>
+            <a:off x="8098500" y="4571120"/>
+            <a:ext cx="1401326" cy="819823"/>
           </a:xfrm>
           <a:prstGeom prst="rect">
             <a:avLst/>
           </a:prstGeom>
+          <a:noFill/>
+          <a:extLst>
+            <a:ext uri="{909E8E84-426E-40DD-AFC4-6F175D3DCCD1}">
+              <a14:hiddenFill xmlns:a14="http://schemas.microsoft.com/office/drawing/2010/main">
+                <a:solidFill>
+                  <a:srgbClr val="FFFFFF"/>
+                </a:solidFill>
+              </a14:hiddenFill>
+            </a:ext>
+          </a:extLst>
+        </p:spPr>
+      </p:pic>
+      <p:sp>
+        <p:nvSpPr>
+          <p:cNvPr id="3" name="Rectangle : coins arrondis 2">
+            <a:extLst>
+              <a:ext uri="{FF2B5EF4-FFF2-40B4-BE49-F238E27FC236}">
+                <a16:creationId xmlns:a16="http://schemas.microsoft.com/office/drawing/2014/main" id="{6BCF7334-F945-0D84-07A1-BD467B3EA213}"/>
+              </a:ext>
+            </a:extLst>
+          </p:cNvPr>
+          <p:cNvSpPr/>
+          <p:nvPr/>
+        </p:nvSpPr>
+        <p:spPr>
+          <a:xfrm>
+            <a:off x="1025018" y="2061682"/>
+            <a:ext cx="4140000" cy="431521"/>
+          </a:xfrm>
+          <a:prstGeom prst="roundRect">
+            <a:avLst/>
+          </a:prstGeom>
           <a:solidFill>
-            <a:schemeClr val="accent1"/>
+            <a:schemeClr val="accent3">
+              <a:lumMod val="40000"/>
+              <a:lumOff val="60000"/>
+            </a:schemeClr>
           </a:solidFill>
-          <a:ln>
-            <a:noFill/>
-          </a:ln>
-          <a:effectLst/>
         </p:spPr>
         <p:style>
-          <a:lnRef idx="1">
-            <a:schemeClr val="accent1"/>
+          <a:lnRef idx="3">
+            <a:schemeClr val="lt1"/>
           </a:lnRef>
-          <a:fillRef idx="3">
-            <a:schemeClr val="accent1"/>
+          <a:fillRef idx="1">
+            <a:schemeClr val="accent2"/>
           </a:fillRef>
-          <a:effectRef idx="2">
-            <a:schemeClr val="accent1"/>
+          <a:effectRef idx="1">
+            <a:schemeClr val="accent2"/>
           </a:effectRef>
           <a:fontRef idx="minor">
             <a:schemeClr val="lt1"/>
           </a:fontRef>
         </p:style>
         <p:txBody>
-          <a:bodyPr/>
+          <a:bodyPr rtlCol="0" anchor="ctr"/>
           <a:lstStyle/>
           <a:p>
-            <a:endParaRPr lang="fr-FR"/>
-          </a:p>
-        </p:txBody>
-      </p:sp>
-      <p:sp>
-        <p:nvSpPr>
-          <p:cNvPr id="28" name="Rectangle 27">
+            <a:pPr algn="ctr"/>
+            <a:r>
+              <a:rPr lang="fr-FR" sz="1600" b="1" dirty="0">
+                <a:solidFill>
+                  <a:schemeClr val="tx1"/>
+                </a:solidFill>
+                <a:latin typeface="Verdana" panose="020B0604030504040204" pitchFamily="34" charset="0"/>
+                <a:ea typeface="Verdana" panose="020B0604030504040204" pitchFamily="34" charset="0"/>
+              </a:rPr>
+              <a:t>BACK</a:t>
+            </a:r>
+          </a:p>
+        </p:txBody>
+      </p:sp>
+      <p:sp>
+        <p:nvSpPr>
+          <p:cNvPr id="8" name="ZoneTexte 7">
             <a:extLst>
               <a:ext uri="{FF2B5EF4-FFF2-40B4-BE49-F238E27FC236}">
-                <a16:creationId xmlns:a16="http://schemas.microsoft.com/office/drawing/2014/main" id="{204AEF18-0627-48F3-9B3D-F7E8F050B1D4}"/>
-              </a:ext>
-              <a:ext uri="{C183D7F6-B498-43B3-948B-1728B52AA6E4}">
-                <adec:decorative xmlns:adec="http://schemas.microsoft.com/office/drawing/2017/decorative" val="1"/>
+                <a16:creationId xmlns:a16="http://schemas.microsoft.com/office/drawing/2014/main" id="{8C9C815E-3044-AE92-9D16-AFBDE84C01EB}"/>
               </a:ext>
             </a:extLst>
           </p:cNvPr>
-          <p:cNvSpPr>
-            <a:spLocks noGrp="1" noRot="1" noChangeAspect="1" noMove="1" noResize="1" noEditPoints="1" noAdjustHandles="1" noChangeArrowheads="1" noChangeShapeType="1" noTextEdit="1"/>
-          </p:cNvSpPr>
-          <p:nvPr>
-            <p:extLst>
-              <p:ext uri="{386F3935-93C4-4BCD-93E2-E3B085C9AB24}">
-                <p16:designElem xmlns:p16="http://schemas.microsoft.com/office/powerpoint/2015/main" val="1"/>
-              </p:ext>
-            </p:extLst>
-          </p:nvPr>
-        </p:nvSpPr>
-        <p:spPr>
-          <a:xfrm>
-            <a:off x="8042147" y="453643"/>
-            <a:ext cx="3703320" cy="98554"/>
+          <p:cNvSpPr txBox="1"/>
+          <p:nvPr/>
+        </p:nvSpPr>
+        <p:spPr>
+          <a:xfrm>
+            <a:off x="7184920" y="5505103"/>
+            <a:ext cx="4012123" cy="307777"/>
           </a:xfrm>
           <a:prstGeom prst="rect">
             <a:avLst/>
           </a:prstGeom>
-          <a:solidFill>
-            <a:schemeClr val="accent4"/>
-          </a:solidFill>
-          <a:ln>
-            <a:noFill/>
-          </a:ln>
-          <a:effectLst/>
-        </p:spPr>
-        <p:style>
-          <a:lnRef idx="1">
-            <a:schemeClr val="accent1"/>
-          </a:lnRef>
-          <a:fillRef idx="3">
-            <a:schemeClr val="accent1"/>
-          </a:fillRef>
-          <a:effectRef idx="2">
-            <a:schemeClr val="accent1"/>
-          </a:effectRef>
-          <a:fontRef idx="minor">
-            <a:schemeClr val="lt1"/>
-          </a:fontRef>
-        </p:style>
-        <p:txBody>
-          <a:bodyPr/>
+          <a:noFill/>
+        </p:spPr>
+        <p:txBody>
+          <a:bodyPr wrap="square">
+            <a:spAutoFit/>
+          </a:bodyPr>
           <a:lstStyle/>
           <a:p>
-            <a:endParaRPr lang="fr-FR"/>
-          </a:p>
-        </p:txBody>
-      </p:sp>
-      <p:sp>
-        <p:nvSpPr>
-          <p:cNvPr id="30" name="Rectangle 29">
+            <a:r>
+              <a:rPr lang="fr-FR" sz="1400" b="1" dirty="0">
+                <a:latin typeface="Verdana" panose="020B0604030504040204" pitchFamily="34" charset="0"/>
+                <a:ea typeface="Verdana" panose="020B0604030504040204" pitchFamily="34" charset="0"/>
+              </a:rPr>
+              <a:t>https://scoring-p7.streamlit.app/</a:t>
+            </a:r>
+          </a:p>
+        </p:txBody>
+      </p:sp>
+      <p:pic>
+        <p:nvPicPr>
+          <p:cNvPr id="9" name="Picture 2" descr="GitHub – Applications sur Google Play">
             <a:extLst>
               <a:ext uri="{FF2B5EF4-FFF2-40B4-BE49-F238E27FC236}">
-                <a16:creationId xmlns:a16="http://schemas.microsoft.com/office/drawing/2014/main" id="{CEAEE08A-C572-438F-9753-B0D527A515A7}"/>
-              </a:ext>
-              <a:ext uri="{C183D7F6-B498-43B3-948B-1728B52AA6E4}">
-                <adec:decorative xmlns:adec="http://schemas.microsoft.com/office/drawing/2017/decorative" val="1"/>
+                <a16:creationId xmlns:a16="http://schemas.microsoft.com/office/drawing/2014/main" id="{9701112C-87F1-2A8D-3240-8E515EC15D95}"/>
               </a:ext>
             </a:extLst>
           </p:cNvPr>
-          <p:cNvSpPr>
-            <a:spLocks noGrp="1" noRot="1" noChangeAspect="1" noMove="1" noResize="1" noEditPoints="1" noAdjustHandles="1" noChangeArrowheads="1" noChangeShapeType="1" noTextEdit="1"/>
-          </p:cNvSpPr>
-          <p:nvPr>
-            <p:extLst>
-              <p:ext uri="{386F3935-93C4-4BCD-93E2-E3B085C9AB24}">
-                <p16:designElem xmlns:p16="http://schemas.microsoft.com/office/powerpoint/2015/main" val="1"/>
-              </p:ext>
-            </p:extLst>
-          </p:nvPr>
-        </p:nvSpPr>
-        <p:spPr>
-          <a:xfrm>
-            <a:off x="4241830" y="457200"/>
-            <a:ext cx="3703320" cy="91440"/>
+          <p:cNvPicPr>
+            <a:picLocks noChangeAspect="1" noChangeArrowheads="1"/>
+          </p:cNvPicPr>
+          <p:nvPr/>
+        </p:nvPicPr>
+        <p:blipFill>
+          <a:blip r:embed="rId3">
+            <a:extLst>
+              <a:ext uri="{28A0092B-C50C-407E-A947-70E740481C1C}">
+                <a14:useLocalDpi xmlns:a14="http://schemas.microsoft.com/office/drawing/2010/main" val="0"/>
+              </a:ext>
+            </a:extLst>
+          </a:blip>
+          <a:srcRect/>
+          <a:stretch>
+            <a:fillRect/>
+          </a:stretch>
+        </p:blipFill>
+        <p:spPr bwMode="auto">
+          <a:xfrm>
+            <a:off x="1125116" y="2885319"/>
+            <a:ext cx="651669" cy="651669"/>
           </a:xfrm>
           <a:prstGeom prst="rect">
             <a:avLst/>
           </a:prstGeom>
-          <a:solidFill>
-            <a:schemeClr val="accent2"/>
-          </a:solidFill>
-          <a:ln>
-            <a:noFill/>
-          </a:ln>
-          <a:effectLst/>
-        </p:spPr>
-        <p:style>
-          <a:lnRef idx="1">
-            <a:schemeClr val="accent1"/>
-          </a:lnRef>
-          <a:fillRef idx="3">
-            <a:schemeClr val="accent1"/>
-          </a:fillRef>
-          <a:effectRef idx="2">
-            <a:schemeClr val="accent1"/>
-          </a:effectRef>
-          <a:fontRef idx="minor">
-            <a:schemeClr val="lt1"/>
-          </a:fontRef>
-        </p:style>
-        <p:txBody>
-          <a:bodyPr/>
-          <a:lstStyle/>
-          <a:p>
-            <a:endParaRPr lang="fr-FR"/>
-          </a:p>
-        </p:txBody>
-      </p:sp>
-      <p:sp>
-        <p:nvSpPr>
-          <p:cNvPr id="32" name="Rectangle 31">
+          <a:noFill/>
+          <a:extLst>
+            <a:ext uri="{909E8E84-426E-40DD-AFC4-6F175D3DCCD1}">
+              <a14:hiddenFill xmlns:a14="http://schemas.microsoft.com/office/drawing/2010/main">
+                <a:solidFill>
+                  <a:srgbClr val="FFFFFF"/>
+                </a:solidFill>
+              </a14:hiddenFill>
+            </a:ext>
+          </a:extLst>
+        </p:spPr>
+      </p:pic>
+      <p:sp>
+        <p:nvSpPr>
+          <p:cNvPr id="11" name="ZoneTexte 10">
             <a:extLst>
               <a:ext uri="{FF2B5EF4-FFF2-40B4-BE49-F238E27FC236}">
-                <a16:creationId xmlns:a16="http://schemas.microsoft.com/office/drawing/2014/main" id="{DB93146F-62ED-4C59-844C-0935D0FB5031}"/>
-              </a:ext>
-              <a:ext uri="{C183D7F6-B498-43B3-948B-1728B52AA6E4}">
-                <adec:decorative xmlns:adec="http://schemas.microsoft.com/office/drawing/2017/decorative" val="1"/>
+                <a16:creationId xmlns:a16="http://schemas.microsoft.com/office/drawing/2014/main" id="{B669BF85-9895-781E-68FE-EFE77DF1EB97}"/>
               </a:ext>
             </a:extLst>
           </p:cNvPr>
-          <p:cNvSpPr>
-            <a:spLocks noGrp="1" noRot="1" noChangeAspect="1" noMove="1" noResize="1" noEditPoints="1" noAdjustHandles="1" noChangeArrowheads="1" noChangeShapeType="1" noTextEdit="1"/>
-          </p:cNvSpPr>
-          <p:nvPr>
-            <p:extLst>
-              <p:ext uri="{386F3935-93C4-4BCD-93E2-E3B085C9AB24}">
-                <p16:designElem xmlns:p16="http://schemas.microsoft.com/office/powerpoint/2015/main" val="1"/>
-              </p:ext>
-            </p:extLst>
-          </p:nvPr>
-        </p:nvSpPr>
-        <p:spPr>
-          <a:xfrm>
-            <a:off x="446534" y="3085765"/>
-            <a:ext cx="11262866" cy="3304800"/>
+          <p:cNvSpPr txBox="1"/>
+          <p:nvPr/>
+        </p:nvSpPr>
+        <p:spPr>
+          <a:xfrm>
+            <a:off x="1791837" y="3090911"/>
+            <a:ext cx="2739346" cy="312008"/>
           </a:xfrm>
           <a:prstGeom prst="rect">
             <a:avLst/>
           </a:prstGeom>
-          <a:solidFill>
-            <a:schemeClr val="accent1"/>
-          </a:solidFill>
-          <a:ln>
-            <a:noFill/>
-          </a:ln>
-          <a:effectLst/>
-        </p:spPr>
-        <p:style>
-          <a:lnRef idx="1">
-            <a:schemeClr val="accent1"/>
-          </a:lnRef>
-          <a:fillRef idx="3">
-            <a:schemeClr val="accent1"/>
-          </a:fillRef>
-          <a:effectRef idx="2">
-            <a:schemeClr val="accent1"/>
-          </a:effectRef>
-          <a:fontRef idx="minor">
-            <a:schemeClr val="lt1"/>
-          </a:fontRef>
-        </p:style>
-        <p:txBody>
-          <a:bodyPr/>
+          <a:noFill/>
+        </p:spPr>
+        <p:txBody>
+          <a:bodyPr wrap="square">
+            <a:spAutoFit/>
+          </a:bodyPr>
           <a:lstStyle/>
           <a:p>
-            <a:endParaRPr lang="fr-FR"/>
-          </a:p>
-        </p:txBody>
-      </p:sp>
-      <p:sp useBgFill="1">
-        <p:nvSpPr>
-          <p:cNvPr id="34" name="Rectangle 33">
-            <a:extLst>
-              <a:ext uri="{FF2B5EF4-FFF2-40B4-BE49-F238E27FC236}">
-                <a16:creationId xmlns:a16="http://schemas.microsoft.com/office/drawing/2014/main" id="{0883F11E-ECB3-4046-A121-A45C6FF6316B}"/>
-              </a:ext>
-              <a:ext uri="{C183D7F6-B498-43B3-948B-1728B52AA6E4}">
-                <adec:decorative xmlns:adec="http://schemas.microsoft.com/office/drawing/2017/decorative" val="1"/>
-              </a:ext>
-            </a:extLst>
-          </p:cNvPr>
-          <p:cNvSpPr>
-            <a:spLocks noGrp="1" noRot="1" noChangeAspect="1" noMove="1" noResize="1" noEditPoints="1" noAdjustHandles="1" noChangeArrowheads="1" noChangeShapeType="1" noTextEdit="1"/>
-          </p:cNvSpPr>
-          <p:nvPr>
-            <p:extLst>
-              <p:ext uri="{386F3935-93C4-4BCD-93E2-E3B085C9AB24}">
-                <p16:designElem xmlns:p16="http://schemas.microsoft.com/office/powerpoint/2015/main" val="1"/>
-              </p:ext>
-            </p:extLst>
-          </p:nvPr>
-        </p:nvSpPr>
-        <p:spPr>
-          <a:xfrm>
-            <a:off x="0" y="1"/>
-            <a:ext cx="12191999" cy="6858000"/>
-          </a:xfrm>
-          <a:prstGeom prst="rect">
-            <a:avLst/>
-          </a:prstGeom>
-          <a:ln>
-            <a:noFill/>
-          </a:ln>
-        </p:spPr>
-        <p:style>
-          <a:lnRef idx="2">
-            <a:schemeClr val="accent1">
-              <a:shade val="50000"/>
-            </a:schemeClr>
-          </a:lnRef>
-          <a:fillRef idx="1">
-            <a:schemeClr val="accent1"/>
-          </a:fillRef>
-          <a:effectRef idx="0">
-            <a:schemeClr val="accent1"/>
-          </a:effectRef>
-          <a:fontRef idx="minor">
-            <a:schemeClr val="lt1"/>
-          </a:fontRef>
-        </p:style>
-        <p:txBody>
-          <a:bodyPr rtlCol="0" anchor="ctr"/>
-          <a:lstStyle/>
-          <a:p>
-            <a:pPr algn="ctr"/>
-            <a:endParaRPr lang="en-US"/>
-          </a:p>
-        </p:txBody>
-      </p:sp>
-      <p:sp>
-        <p:nvSpPr>
-          <p:cNvPr id="36" name="Rectangle 35">
-            <a:extLst>
-              <a:ext uri="{FF2B5EF4-FFF2-40B4-BE49-F238E27FC236}">
-                <a16:creationId xmlns:a16="http://schemas.microsoft.com/office/drawing/2014/main" id="{5CF77191-9839-40D9-B04E-85DF01BB029F}"/>
-              </a:ext>
-              <a:ext uri="{C183D7F6-B498-43B3-948B-1728B52AA6E4}">
-                <adec:decorative xmlns:adec="http://schemas.microsoft.com/office/drawing/2017/decorative" val="1"/>
-              </a:ext>
-            </a:extLst>
-          </p:cNvPr>
-          <p:cNvSpPr>
-            <a:spLocks noGrp="1" noRot="1" noChangeAspect="1" noMove="1" noResize="1" noEditPoints="1" noAdjustHandles="1" noChangeArrowheads="1" noChangeShapeType="1" noTextEdit="1"/>
-          </p:cNvSpPr>
-          <p:nvPr>
-            <p:extLst>
-              <p:ext uri="{386F3935-93C4-4BCD-93E2-E3B085C9AB24}">
-                <p16:designElem xmlns:p16="http://schemas.microsoft.com/office/powerpoint/2015/main" val="1"/>
-              </p:ext>
-            </p:extLst>
-          </p:nvPr>
-        </p:nvSpPr>
-        <p:spPr>
-          <a:xfrm>
-            <a:off x="446534" y="457200"/>
-            <a:ext cx="3052796" cy="94997"/>
-          </a:xfrm>
-          <a:prstGeom prst="rect">
-            <a:avLst/>
-          </a:prstGeom>
-          <a:solidFill>
-            <a:schemeClr val="accent1"/>
-          </a:solidFill>
-          <a:ln>
-            <a:noFill/>
-          </a:ln>
-          <a:effectLst/>
-        </p:spPr>
-        <p:style>
-          <a:lnRef idx="1">
-            <a:schemeClr val="accent1"/>
-          </a:lnRef>
-          <a:fillRef idx="3">
-            <a:schemeClr val="accent1"/>
-          </a:fillRef>
-          <a:effectRef idx="2">
-            <a:schemeClr val="accent1"/>
-          </a:effectRef>
-          <a:fontRef idx="minor">
-            <a:schemeClr val="lt1"/>
-          </a:fontRef>
-        </p:style>
-        <p:txBody>
-          <a:bodyPr/>
-          <a:lstStyle/>
-          <a:p>
-            <a:endParaRPr lang="fr-FR"/>
-          </a:p>
-        </p:txBody>
-      </p:sp>
-      <p:sp>
-        <p:nvSpPr>
-          <p:cNvPr id="38" name="Rectangle 37">
-            <a:extLst>
-              <a:ext uri="{FF2B5EF4-FFF2-40B4-BE49-F238E27FC236}">
-                <a16:creationId xmlns:a16="http://schemas.microsoft.com/office/drawing/2014/main" id="{BF007B11-F4C3-4A9E-AAA8-D52C8C1AD988}"/>
-              </a:ext>
-              <a:ext uri="{C183D7F6-B498-43B3-948B-1728B52AA6E4}">
-                <adec:decorative xmlns:adec="http://schemas.microsoft.com/office/drawing/2017/decorative" val="1"/>
-              </a:ext>
-            </a:extLst>
-          </p:cNvPr>
-          <p:cNvSpPr>
-            <a:spLocks noGrp="1" noRot="1" noChangeAspect="1" noMove="1" noResize="1" noEditPoints="1" noAdjustHandles="1" noChangeArrowheads="1" noChangeShapeType="1" noTextEdit="1"/>
-          </p:cNvSpPr>
-          <p:nvPr>
-            <p:extLst>
-              <p:ext uri="{386F3935-93C4-4BCD-93E2-E3B085C9AB24}">
-                <p16:designElem xmlns:p16="http://schemas.microsoft.com/office/powerpoint/2015/main" val="1"/>
-              </p:ext>
-            </p:extLst>
-          </p:nvPr>
-        </p:nvSpPr>
-        <p:spPr>
-          <a:xfrm>
-            <a:off x="3591306" y="457200"/>
-            <a:ext cx="3052798" cy="91440"/>
-          </a:xfrm>
-          <a:prstGeom prst="rect">
-            <a:avLst/>
-          </a:prstGeom>
-          <a:solidFill>
-            <a:schemeClr val="accent2"/>
-          </a:solidFill>
-          <a:ln>
-            <a:noFill/>
-          </a:ln>
-          <a:effectLst/>
-        </p:spPr>
-        <p:style>
-          <a:lnRef idx="1">
-            <a:schemeClr val="accent1"/>
-          </a:lnRef>
-          <a:fillRef idx="3">
-            <a:schemeClr val="accent1"/>
-          </a:fillRef>
-          <a:effectRef idx="2">
-            <a:schemeClr val="accent1"/>
-          </a:effectRef>
-          <a:fontRef idx="minor">
-            <a:schemeClr val="lt1"/>
-          </a:fontRef>
-        </p:style>
-        <p:txBody>
-          <a:bodyPr/>
-          <a:lstStyle/>
-          <a:p>
-            <a:endParaRPr lang="fr-FR"/>
-          </a:p>
-        </p:txBody>
-      </p:sp>
-      <p:sp>
-        <p:nvSpPr>
-          <p:cNvPr id="40" name="Rectangle 39">
-            <a:extLst>
-              <a:ext uri="{FF2B5EF4-FFF2-40B4-BE49-F238E27FC236}">
-                <a16:creationId xmlns:a16="http://schemas.microsoft.com/office/drawing/2014/main" id="{871D0F6C-C993-4E97-A103-9448E35FEEA0}"/>
-              </a:ext>
-              <a:ext uri="{C183D7F6-B498-43B3-948B-1728B52AA6E4}">
-                <adec:decorative xmlns:adec="http://schemas.microsoft.com/office/drawing/2017/decorative" val="1"/>
-              </a:ext>
-            </a:extLst>
-          </p:cNvPr>
-          <p:cNvSpPr>
-            <a:spLocks noGrp="1" noRot="1" noChangeAspect="1" noMove="1" noResize="1" noEditPoints="1" noAdjustHandles="1" noChangeArrowheads="1" noChangeShapeType="1" noTextEdit="1"/>
-          </p:cNvSpPr>
-          <p:nvPr>
-            <p:extLst>
-              <p:ext uri="{386F3935-93C4-4BCD-93E2-E3B085C9AB24}">
-                <p16:designElem xmlns:p16="http://schemas.microsoft.com/office/powerpoint/2015/main" val="1"/>
-              </p:ext>
-            </p:extLst>
-          </p:nvPr>
-        </p:nvSpPr>
-        <p:spPr>
-          <a:xfrm>
-            <a:off x="6736079" y="453643"/>
-            <a:ext cx="5009388" cy="98554"/>
-          </a:xfrm>
-          <a:prstGeom prst="rect">
-            <a:avLst/>
-          </a:prstGeom>
-          <a:solidFill>
-            <a:schemeClr val="accent4"/>
-          </a:solidFill>
-          <a:ln>
-            <a:noFill/>
-          </a:ln>
-          <a:effectLst/>
-        </p:spPr>
-        <p:style>
-          <a:lnRef idx="1">
-            <a:schemeClr val="accent1"/>
-          </a:lnRef>
-          <a:fillRef idx="3">
-            <a:schemeClr val="accent1"/>
-          </a:fillRef>
-          <a:effectRef idx="2">
-            <a:schemeClr val="accent1"/>
-          </a:effectRef>
-          <a:fontRef idx="minor">
-            <a:schemeClr val="lt1"/>
-          </a:fontRef>
-        </p:style>
-        <p:txBody>
-          <a:bodyPr/>
-          <a:lstStyle/>
-          <a:p>
-            <a:endParaRPr lang="fr-FR"/>
-          </a:p>
-        </p:txBody>
-      </p:sp>
-      <p:sp>
-        <p:nvSpPr>
-          <p:cNvPr id="42" name="Rectangle 41">
-            <a:extLst>
-              <a:ext uri="{FF2B5EF4-FFF2-40B4-BE49-F238E27FC236}">
-                <a16:creationId xmlns:a16="http://schemas.microsoft.com/office/drawing/2014/main" id="{7B28B346-1639-4F05-9EBC-808A9DC6657D}"/>
-              </a:ext>
-              <a:ext uri="{C183D7F6-B498-43B3-948B-1728B52AA6E4}">
-                <adec:decorative xmlns:adec="http://schemas.microsoft.com/office/drawing/2017/decorative" val="1"/>
-              </a:ext>
-            </a:extLst>
-          </p:cNvPr>
-          <p:cNvSpPr>
-            <a:spLocks noGrp="1" noRot="1" noChangeAspect="1" noMove="1" noResize="1" noEditPoints="1" noAdjustHandles="1" noChangeArrowheads="1" noChangeShapeType="1" noTextEdit="1"/>
-          </p:cNvSpPr>
-          <p:nvPr>
-            <p:extLst>
-              <p:ext uri="{386F3935-93C4-4BCD-93E2-E3B085C9AB24}">
-                <p16:designElem xmlns:p16="http://schemas.microsoft.com/office/powerpoint/2015/main" val="1"/>
-              </p:ext>
-            </p:extLst>
-          </p:nvPr>
-        </p:nvSpPr>
-        <p:spPr>
-          <a:xfrm>
-            <a:off x="6736079" y="723899"/>
-            <a:ext cx="5009388" cy="5666666"/>
-          </a:xfrm>
-          <a:prstGeom prst="rect">
-            <a:avLst/>
-          </a:prstGeom>
-          <a:solidFill>
-            <a:schemeClr val="accent1"/>
-          </a:solidFill>
-          <a:ln>
-            <a:noFill/>
-          </a:ln>
-          <a:effectLst/>
-        </p:spPr>
-        <p:style>
-          <a:lnRef idx="1">
-            <a:schemeClr val="accent1"/>
-          </a:lnRef>
-          <a:fillRef idx="3">
-            <a:schemeClr val="accent1"/>
-          </a:fillRef>
-          <a:effectRef idx="2">
-            <a:schemeClr val="accent1"/>
-          </a:effectRef>
-          <a:fontRef idx="minor">
-            <a:schemeClr val="lt1"/>
-          </a:fontRef>
-        </p:style>
-        <p:txBody>
-          <a:bodyPr/>
-          <a:lstStyle/>
-          <a:p>
-            <a:endParaRPr lang="fr-FR"/>
+            <a:pPr>
+              <a:lnSpc>
+                <a:spcPct val="150000"/>
+              </a:lnSpc>
+            </a:pPr>
+            <a:r>
+              <a:rPr lang="fr-FR" sz="1100" b="0" i="0" dirty="0">
+                <a:solidFill>
+                  <a:srgbClr val="040C28"/>
+                </a:solidFill>
+                <a:effectLst/>
+                <a:latin typeface="Verdana" panose="020B0604030504040204" pitchFamily="34" charset="0"/>
+                <a:ea typeface="Verdana" panose="020B0604030504040204" pitchFamily="34" charset="0"/>
+              </a:rPr>
+              <a:t>Dépôt </a:t>
+            </a:r>
+            <a:r>
+              <a:rPr lang="fr-FR" sz="1100" b="0" i="0" dirty="0" err="1">
+                <a:solidFill>
+                  <a:srgbClr val="040C28"/>
+                </a:solidFill>
+                <a:effectLst/>
+                <a:latin typeface="Verdana" panose="020B0604030504040204" pitchFamily="34" charset="0"/>
+                <a:ea typeface="Verdana" panose="020B0604030504040204" pitchFamily="34" charset="0"/>
+              </a:rPr>
+              <a:t>G</a:t>
+            </a:r>
+            <a:r>
+              <a:rPr lang="fr-FR" sz="1100" b="0" i="0" dirty="0" err="1">
+                <a:solidFill>
+                  <a:srgbClr val="202124"/>
+                </a:solidFill>
+                <a:effectLst/>
+                <a:latin typeface="Verdana" panose="020B0604030504040204" pitchFamily="34" charset="0"/>
+                <a:ea typeface="Verdana" panose="020B0604030504040204" pitchFamily="34" charset="0"/>
+              </a:rPr>
+              <a:t>ithub</a:t>
+            </a:r>
+            <a:r>
+              <a:rPr lang="fr-FR" sz="1100" b="0" i="0" dirty="0">
+                <a:solidFill>
+                  <a:srgbClr val="202124"/>
+                </a:solidFill>
+                <a:effectLst/>
+                <a:latin typeface="Verdana" panose="020B0604030504040204" pitchFamily="34" charset="0"/>
+                <a:ea typeface="Verdana" panose="020B0604030504040204" pitchFamily="34" charset="0"/>
+              </a:rPr>
+              <a:t> API / TEST</a:t>
+            </a:r>
+            <a:endParaRPr lang="fr-FR" sz="1100" dirty="0">
+              <a:latin typeface="Verdana" panose="020B0604030504040204" pitchFamily="34" charset="0"/>
+              <a:ea typeface="Verdana" panose="020B0604030504040204" pitchFamily="34" charset="0"/>
+            </a:endParaRPr>
           </a:p>
         </p:txBody>
       </p:sp>
       <p:pic>
         <p:nvPicPr>
-          <p:cNvPr id="21" name="Graphic 20" descr="Logement">
+          <p:cNvPr id="14" name="Image 13">
             <a:extLst>
               <a:ext uri="{FF2B5EF4-FFF2-40B4-BE49-F238E27FC236}">
-                <a16:creationId xmlns:a16="http://schemas.microsoft.com/office/drawing/2014/main" id="{96E3235D-ACF4-165C-5C11-FEE6E748B5D8}"/>
+                <a16:creationId xmlns:a16="http://schemas.microsoft.com/office/drawing/2014/main" id="{44EB8749-C7B8-D402-7056-E95585A647AE}"/>
               </a:ext>
             </a:extLst>
           </p:cNvPr>
@@ -10764,24 +11057,15 @@
           <p:nvPr/>
         </p:nvPicPr>
         <p:blipFill>
-          <a:blip r:embed="rId2">
-            <a:extLst>
-              <a:ext uri="{28A0092B-C50C-407E-A947-70E740481C1C}">
-                <a14:useLocalDpi xmlns:a14="http://schemas.microsoft.com/office/drawing/2010/main" val="0"/>
-              </a:ext>
-              <a:ext uri="{96DAC541-7B7A-43D3-8B79-37D633B846F1}">
-                <asvg:svgBlip xmlns:asvg="http://schemas.microsoft.com/office/drawing/2016/SVG/main" r:embed="rId3"/>
-              </a:ext>
-            </a:extLst>
-          </a:blip>
+          <a:blip r:embed="rId4"/>
           <a:stretch>
             <a:fillRect/>
           </a:stretch>
         </p:blipFill>
         <p:spPr>
           <a:xfrm>
-            <a:off x="7379546" y="1697911"/>
-            <a:ext cx="3722454" cy="3722454"/>
+            <a:off x="2272476" y="5752880"/>
+            <a:ext cx="1527930" cy="548188"/>
           </a:xfrm>
           <a:prstGeom prst="rect">
             <a:avLst/>
@@ -10790,187 +11074,660 @@
       </p:pic>
       <p:sp>
         <p:nvSpPr>
-          <p:cNvPr id="3" name="Titre 1">
+          <p:cNvPr id="18" name="ZoneTexte 17">
             <a:extLst>
               <a:ext uri="{FF2B5EF4-FFF2-40B4-BE49-F238E27FC236}">
-                <a16:creationId xmlns:a16="http://schemas.microsoft.com/office/drawing/2014/main" id="{437F9016-07E8-6630-BCAD-83A963134DCA}"/>
+                <a16:creationId xmlns:a16="http://schemas.microsoft.com/office/drawing/2014/main" id="{3361213F-C0A6-09C2-4C6C-D0A1B2195ABE}"/>
               </a:ext>
             </a:extLst>
           </p:cNvPr>
-          <p:cNvSpPr txBox="1">
-            <a:spLocks/>
-          </p:cNvSpPr>
+          <p:cNvSpPr txBox="1"/>
           <p:nvPr/>
         </p:nvSpPr>
         <p:spPr>
           <a:xfrm>
-            <a:off x="374689" y="-264807"/>
-            <a:ext cx="5708356" cy="3600738"/>
+            <a:off x="1752819" y="6243672"/>
+            <a:ext cx="3957658" cy="261610"/>
           </a:xfrm>
           <a:prstGeom prst="rect">
             <a:avLst/>
           </a:prstGeom>
-        </p:spPr>
-        <p:txBody>
-          <a:bodyPr vert="horz" lIns="91440" tIns="45720" rIns="91440" bIns="45720" rtlCol="0" anchor="b">
-            <a:normAutofit fontScale="97500"/>
+          <a:noFill/>
+        </p:spPr>
+        <p:txBody>
+          <a:bodyPr wrap="square">
+            <a:spAutoFit/>
           </a:bodyPr>
-          <a:lstStyle>
-            <a:lvl1pPr algn="l" defTabSz="457200" rtl="0" eaLnBrk="1" latinLnBrk="0" hangingPunct="1">
-              <a:spcBef>
-                <a:spcPct val="0"/>
-              </a:spcBef>
-              <a:buNone/>
-              <a:defRPr sz="2800" b="0" kern="1200" cap="all">
-                <a:solidFill>
-                  <a:schemeClr val="bg1"/>
-                </a:solidFill>
-                <a:latin typeface="+mj-lt"/>
-                <a:ea typeface="+mj-ea"/>
-                <a:cs typeface="+mj-cs"/>
-              </a:defRPr>
-            </a:lvl1pPr>
-            <a:lvl2pPr eaLnBrk="1" hangingPunct="1">
-              <a:defRPr>
-                <a:solidFill>
-                  <a:schemeClr val="tx2"/>
-                </a:solidFill>
-              </a:defRPr>
-            </a:lvl2pPr>
-            <a:lvl3pPr eaLnBrk="1" hangingPunct="1">
-              <a:defRPr>
-                <a:solidFill>
-                  <a:schemeClr val="tx2"/>
-                </a:solidFill>
-              </a:defRPr>
-            </a:lvl3pPr>
-            <a:lvl4pPr eaLnBrk="1" hangingPunct="1">
-              <a:defRPr>
-                <a:solidFill>
-                  <a:schemeClr val="tx2"/>
-                </a:solidFill>
-              </a:defRPr>
-            </a:lvl4pPr>
-            <a:lvl5pPr eaLnBrk="1" hangingPunct="1">
-              <a:defRPr>
-                <a:solidFill>
-                  <a:schemeClr val="tx2"/>
-                </a:solidFill>
-              </a:defRPr>
-            </a:lvl5pPr>
-            <a:lvl6pPr eaLnBrk="1" hangingPunct="1">
-              <a:defRPr>
-                <a:solidFill>
-                  <a:schemeClr val="tx2"/>
-                </a:solidFill>
-              </a:defRPr>
-            </a:lvl6pPr>
-            <a:lvl7pPr eaLnBrk="1" hangingPunct="1">
-              <a:defRPr>
-                <a:solidFill>
-                  <a:schemeClr val="tx2"/>
-                </a:solidFill>
-              </a:defRPr>
-            </a:lvl7pPr>
-            <a:lvl8pPr eaLnBrk="1" hangingPunct="1">
-              <a:defRPr>
-                <a:solidFill>
-                  <a:schemeClr val="tx2"/>
-                </a:solidFill>
-              </a:defRPr>
-            </a:lvl8pPr>
-            <a:lvl9pPr eaLnBrk="1" hangingPunct="1">
-              <a:defRPr>
-                <a:solidFill>
-                  <a:schemeClr val="tx2"/>
-                </a:solidFill>
-              </a:defRPr>
-            </a:lvl9pPr>
-          </a:lstStyle>
+          <a:lstStyle/>
+          <a:p>
+            <a:r>
+              <a:rPr lang="fr-FR" sz="1100" b="1" dirty="0">
+                <a:latin typeface="Verdana" panose="020B0604030504040204" pitchFamily="34" charset="0"/>
+                <a:ea typeface="Verdana" panose="020B0604030504040204" pitchFamily="34" charset="0"/>
+              </a:rPr>
+              <a:t>https://scoring-p7.onrender.com</a:t>
+            </a:r>
+          </a:p>
+        </p:txBody>
+      </p:sp>
+      <p:sp>
+        <p:nvSpPr>
+          <p:cNvPr id="19" name="Rectangle : coins arrondis 18">
+            <a:extLst>
+              <a:ext uri="{FF2B5EF4-FFF2-40B4-BE49-F238E27FC236}">
+                <a16:creationId xmlns:a16="http://schemas.microsoft.com/office/drawing/2014/main" id="{CF99CBCB-040D-95C0-7320-2FCC9D52E38C}"/>
+              </a:ext>
+            </a:extLst>
+          </p:cNvPr>
+          <p:cNvSpPr/>
+          <p:nvPr/>
+        </p:nvSpPr>
+        <p:spPr>
+          <a:xfrm>
+            <a:off x="6658665" y="2061682"/>
+            <a:ext cx="4176000" cy="483109"/>
+          </a:xfrm>
+          <a:prstGeom prst="roundRect">
+            <a:avLst/>
+          </a:prstGeom>
+          <a:solidFill>
+            <a:schemeClr val="accent3">
+              <a:lumMod val="40000"/>
+              <a:lumOff val="60000"/>
+            </a:schemeClr>
+          </a:solidFill>
+        </p:spPr>
+        <p:style>
+          <a:lnRef idx="3">
+            <a:schemeClr val="lt1"/>
+          </a:lnRef>
+          <a:fillRef idx="1">
+            <a:schemeClr val="accent2"/>
+          </a:fillRef>
+          <a:effectRef idx="1">
+            <a:schemeClr val="accent2"/>
+          </a:effectRef>
+          <a:fontRef idx="minor">
+            <a:schemeClr val="lt1"/>
+          </a:fontRef>
+        </p:style>
+        <p:txBody>
+          <a:bodyPr rtlCol="0" anchor="ctr"/>
+          <a:lstStyle/>
+          <a:p>
+            <a:pPr algn="ctr"/>
+            <a:r>
+              <a:rPr lang="fr-FR" sz="1600" b="1" dirty="0">
+                <a:solidFill>
+                  <a:schemeClr val="tx1"/>
+                </a:solidFill>
+                <a:latin typeface="Verdana" panose="020B0604030504040204" pitchFamily="34" charset="0"/>
+                <a:ea typeface="Verdana" panose="020B0604030504040204" pitchFamily="34" charset="0"/>
+              </a:rPr>
+              <a:t>FRONT</a:t>
+            </a:r>
+          </a:p>
+        </p:txBody>
+      </p:sp>
+      <p:pic>
+        <p:nvPicPr>
+          <p:cNvPr id="20" name="Picture 4" descr="Pytest — What is it?. Pytest is a testing framework that… | by Asmiry  Sanchez | Medium">
+            <a:extLst>
+              <a:ext uri="{FF2B5EF4-FFF2-40B4-BE49-F238E27FC236}">
+                <a16:creationId xmlns:a16="http://schemas.microsoft.com/office/drawing/2014/main" id="{92EA3BD5-633C-06B4-25FB-C72FD38F8DC7}"/>
+              </a:ext>
+            </a:extLst>
+          </p:cNvPr>
+          <p:cNvPicPr>
+            <a:picLocks noChangeAspect="1" noChangeArrowheads="1"/>
+          </p:cNvPicPr>
+          <p:nvPr/>
+        </p:nvPicPr>
+        <p:blipFill>
+          <a:blip r:embed="rId5">
+            <a:extLst>
+              <a:ext uri="{28A0092B-C50C-407E-A947-70E740481C1C}">
+                <a14:useLocalDpi xmlns:a14="http://schemas.microsoft.com/office/drawing/2010/main" val="0"/>
+              </a:ext>
+            </a:extLst>
+          </a:blip>
+          <a:srcRect/>
+          <a:stretch>
+            <a:fillRect/>
+          </a:stretch>
+        </p:blipFill>
+        <p:spPr bwMode="auto">
+          <a:xfrm>
+            <a:off x="3138696" y="4215419"/>
+            <a:ext cx="1323420" cy="613980"/>
+          </a:xfrm>
+          <a:prstGeom prst="rect">
+            <a:avLst/>
+          </a:prstGeom>
+          <a:noFill/>
+          <a:extLst>
+            <a:ext uri="{909E8E84-426E-40DD-AFC4-6F175D3DCCD1}">
+              <a14:hiddenFill xmlns:a14="http://schemas.microsoft.com/office/drawing/2010/main">
+                <a:solidFill>
+                  <a:srgbClr val="FFFFFF"/>
+                </a:solidFill>
+              </a14:hiddenFill>
+            </a:ext>
+          </a:extLst>
+        </p:spPr>
+      </p:pic>
+      <p:cxnSp>
+        <p:nvCxnSpPr>
+          <p:cNvPr id="27" name="Connecteur droit avec flèche 26">
+            <a:extLst>
+              <a:ext uri="{FF2B5EF4-FFF2-40B4-BE49-F238E27FC236}">
+                <a16:creationId xmlns:a16="http://schemas.microsoft.com/office/drawing/2014/main" id="{BBC24016-084F-F52F-74CB-2179167C6FD5}"/>
+              </a:ext>
+            </a:extLst>
+          </p:cNvPr>
+          <p:cNvCxnSpPr>
+            <a:cxnSpLocks/>
+          </p:cNvCxnSpPr>
+          <p:nvPr/>
+        </p:nvCxnSpPr>
+        <p:spPr>
+          <a:xfrm>
+            <a:off x="2979468" y="5128436"/>
+            <a:ext cx="0" cy="606387"/>
+          </a:xfrm>
+          <a:prstGeom prst="straightConnector1">
+            <a:avLst/>
+          </a:prstGeom>
+          <a:ln w="38100">
+            <a:prstDash val="dash"/>
+            <a:tailEnd type="triangle"/>
+          </a:ln>
+        </p:spPr>
+        <p:style>
+          <a:lnRef idx="1">
+            <a:schemeClr val="accent1"/>
+          </a:lnRef>
+          <a:fillRef idx="0">
+            <a:schemeClr val="accent1"/>
+          </a:fillRef>
+          <a:effectRef idx="0">
+            <a:schemeClr val="accent1"/>
+          </a:effectRef>
+          <a:fontRef idx="minor">
+            <a:schemeClr val="tx1"/>
+          </a:fontRef>
+        </p:style>
+      </p:cxnSp>
+      <p:sp>
+        <p:nvSpPr>
+          <p:cNvPr id="28" name="ZoneTexte 27">
+            <a:extLst>
+              <a:ext uri="{FF2B5EF4-FFF2-40B4-BE49-F238E27FC236}">
+                <a16:creationId xmlns:a16="http://schemas.microsoft.com/office/drawing/2014/main" id="{49B6E701-77B5-0B97-4431-85F493DD2CD7}"/>
+              </a:ext>
+            </a:extLst>
+          </p:cNvPr>
+          <p:cNvSpPr txBox="1"/>
+          <p:nvPr/>
+        </p:nvSpPr>
+        <p:spPr>
+          <a:xfrm>
+            <a:off x="3161510" y="5071361"/>
+            <a:ext cx="2053546" cy="819840"/>
+          </a:xfrm>
+          <a:prstGeom prst="rect">
+            <a:avLst/>
+          </a:prstGeom>
+          <a:noFill/>
+        </p:spPr>
+        <p:txBody>
+          <a:bodyPr wrap="square">
+            <a:spAutoFit/>
+          </a:bodyPr>
+          <a:lstStyle/>
           <a:p>
             <a:pPr>
               <a:lnSpc>
-                <a:spcPct val="90000"/>
+                <a:spcPct val="150000"/>
               </a:lnSpc>
             </a:pPr>
             <a:r>
-              <a:rPr lang="en-US" b="1" spc="-60" dirty="0" err="1">
-                <a:solidFill>
-                  <a:schemeClr val="accent1"/>
-                </a:solidFill>
-                <a:latin typeface="Verdana" panose="020B0604030504040204" pitchFamily="34" charset="0"/>
-                <a:ea typeface="Verdana" panose="020B0604030504040204" pitchFamily="34" charset="0"/>
-              </a:rPr>
-              <a:t>Etape</a:t>
-            </a:r>
-            <a:r>
-              <a:rPr lang="en-US" b="1" spc="-60" dirty="0">
-                <a:solidFill>
-                  <a:schemeClr val="accent1"/>
-                </a:solidFill>
-                <a:latin typeface="Verdana" panose="020B0604030504040204" pitchFamily="34" charset="0"/>
-                <a:ea typeface="Verdana" panose="020B0604030504040204" pitchFamily="34" charset="0"/>
-              </a:rPr>
-              <a:t> 6 :</a:t>
-            </a:r>
-            <a:br>
-              <a:rPr lang="en-US" b="1" spc="-60" dirty="0">
-                <a:solidFill>
-                  <a:schemeClr val="accent1"/>
-                </a:solidFill>
-                <a:latin typeface="Verdana" panose="020B0604030504040204" pitchFamily="34" charset="0"/>
-                <a:ea typeface="Verdana" panose="020B0604030504040204" pitchFamily="34" charset="0"/>
-              </a:rPr>
-            </a:br>
-            <a:br>
-              <a:rPr lang="en-US" b="1" spc="-60" dirty="0">
-                <a:solidFill>
-                  <a:schemeClr val="accent1"/>
-                </a:solidFill>
-                <a:latin typeface="Verdana" panose="020B0604030504040204" pitchFamily="34" charset="0"/>
-                <a:ea typeface="Verdana" panose="020B0604030504040204" pitchFamily="34" charset="0"/>
-              </a:rPr>
-            </a:br>
-            <a:r>
-              <a:rPr lang="fr-FR" sz="2800" dirty="0">
-                <a:solidFill>
-                  <a:schemeClr val="accent2">
-                    <a:lumMod val="50000"/>
-                  </a:schemeClr>
-                </a:solidFill>
-                <a:latin typeface="Verdana" panose="020B0604030504040204" pitchFamily="34" charset="0"/>
-                <a:ea typeface="Verdana" panose="020B0604030504040204" pitchFamily="34" charset="0"/>
-              </a:rPr>
-              <a:t>Pipeline de </a:t>
-            </a:r>
-            <a:r>
-              <a:rPr lang="fr-FR" sz="2800" dirty="0" err="1">
-                <a:solidFill>
-                  <a:schemeClr val="accent2">
-                    <a:lumMod val="50000"/>
-                  </a:schemeClr>
-                </a:solidFill>
-                <a:latin typeface="Verdana" panose="020B0604030504040204" pitchFamily="34" charset="0"/>
-                <a:ea typeface="Verdana" panose="020B0604030504040204" pitchFamily="34" charset="0"/>
-              </a:rPr>
-              <a:t>dEploIement</a:t>
-            </a:r>
-            <a:endParaRPr lang="fr-FR" sz="2800" dirty="0">
-              <a:solidFill>
-                <a:schemeClr val="accent2">
-                  <a:lumMod val="50000"/>
-                </a:schemeClr>
-              </a:solidFill>
+              <a:rPr lang="fr-FR" sz="1100" i="1" dirty="0">
+                <a:solidFill>
+                  <a:srgbClr val="040C28"/>
+                </a:solidFill>
+                <a:effectLst/>
+                <a:latin typeface="Verdana" panose="020B0604030504040204" pitchFamily="34" charset="0"/>
+                <a:ea typeface="Verdana" panose="020B0604030504040204" pitchFamily="34" charset="0"/>
+              </a:rPr>
+              <a:t>Déploiement sur </a:t>
+            </a:r>
+            <a:r>
+              <a:rPr lang="fr-FR" sz="1100" i="1" dirty="0" err="1">
+                <a:solidFill>
+                  <a:srgbClr val="040C28"/>
+                </a:solidFill>
+                <a:effectLst/>
+                <a:latin typeface="Verdana" panose="020B0604030504040204" pitchFamily="34" charset="0"/>
+                <a:ea typeface="Verdana" panose="020B0604030504040204" pitchFamily="34" charset="0"/>
+              </a:rPr>
+              <a:t>Render</a:t>
+            </a:r>
+            <a:r>
+              <a:rPr lang="fr-FR" sz="1100" i="1" dirty="0">
+                <a:solidFill>
+                  <a:srgbClr val="040C28"/>
+                </a:solidFill>
+                <a:effectLst/>
+                <a:latin typeface="Verdana" panose="020B0604030504040204" pitchFamily="34" charset="0"/>
+                <a:ea typeface="Verdana" panose="020B0604030504040204" pitchFamily="34" charset="0"/>
+              </a:rPr>
+              <a:t> – connecté au dépôt GITHUB</a:t>
+            </a:r>
+            <a:endParaRPr lang="fr-FR" sz="1100" i="1" dirty="0">
               <a:latin typeface="Verdana" panose="020B0604030504040204" pitchFamily="34" charset="0"/>
               <a:ea typeface="Verdana" panose="020B0604030504040204" pitchFamily="34" charset="0"/>
             </a:endParaRPr>
           </a:p>
         </p:txBody>
       </p:sp>
+      <p:sp>
+        <p:nvSpPr>
+          <p:cNvPr id="29" name="ZoneTexte 28">
+            <a:extLst>
+              <a:ext uri="{FF2B5EF4-FFF2-40B4-BE49-F238E27FC236}">
+                <a16:creationId xmlns:a16="http://schemas.microsoft.com/office/drawing/2014/main" id="{B34B00BB-6A6E-5D40-DAA6-58C1030BC20C}"/>
+              </a:ext>
+            </a:extLst>
+          </p:cNvPr>
+          <p:cNvSpPr txBox="1"/>
+          <p:nvPr/>
+        </p:nvSpPr>
+        <p:spPr>
+          <a:xfrm>
+            <a:off x="3003847" y="3697298"/>
+            <a:ext cx="1996854" cy="312008"/>
+          </a:xfrm>
+          <a:prstGeom prst="rect">
+            <a:avLst/>
+          </a:prstGeom>
+          <a:noFill/>
+        </p:spPr>
+        <p:txBody>
+          <a:bodyPr wrap="square">
+            <a:spAutoFit/>
+          </a:bodyPr>
+          <a:lstStyle/>
+          <a:p>
+            <a:pPr>
+              <a:lnSpc>
+                <a:spcPct val="150000"/>
+              </a:lnSpc>
+            </a:pPr>
+            <a:r>
+              <a:rPr lang="fr-FR" sz="1100" b="0" i="1" dirty="0">
+                <a:solidFill>
+                  <a:srgbClr val="040C28"/>
+                </a:solidFill>
+                <a:effectLst/>
+                <a:latin typeface="Verdana" panose="020B0604030504040204" pitchFamily="34" charset="0"/>
+                <a:ea typeface="Verdana" panose="020B0604030504040204" pitchFamily="34" charset="0"/>
+              </a:rPr>
+              <a:t>CI / CD</a:t>
+            </a:r>
+            <a:endParaRPr lang="fr-FR" sz="1100" i="1" dirty="0">
+              <a:latin typeface="Verdana" panose="020B0604030504040204" pitchFamily="34" charset="0"/>
+              <a:ea typeface="Verdana" panose="020B0604030504040204" pitchFamily="34" charset="0"/>
+            </a:endParaRPr>
+          </a:p>
+        </p:txBody>
+      </p:sp>
+      <p:sp>
+        <p:nvSpPr>
+          <p:cNvPr id="32" name="ZoneTexte 31">
+            <a:extLst>
+              <a:ext uri="{FF2B5EF4-FFF2-40B4-BE49-F238E27FC236}">
+                <a16:creationId xmlns:a16="http://schemas.microsoft.com/office/drawing/2014/main" id="{F08F2FF2-B8E0-4B03-7B34-35290100ED19}"/>
+              </a:ext>
+            </a:extLst>
+          </p:cNvPr>
+          <p:cNvSpPr txBox="1"/>
+          <p:nvPr/>
+        </p:nvSpPr>
+        <p:spPr>
+          <a:xfrm>
+            <a:off x="7446060" y="2819650"/>
+            <a:ext cx="3592249" cy="312008"/>
+          </a:xfrm>
+          <a:prstGeom prst="rect">
+            <a:avLst/>
+          </a:prstGeom>
+          <a:noFill/>
+        </p:spPr>
+        <p:txBody>
+          <a:bodyPr wrap="square">
+            <a:spAutoFit/>
+          </a:bodyPr>
+          <a:lstStyle/>
+          <a:p>
+            <a:pPr>
+              <a:lnSpc>
+                <a:spcPct val="150000"/>
+              </a:lnSpc>
+            </a:pPr>
+            <a:r>
+              <a:rPr lang="fr-FR" sz="1100" b="0" i="0" dirty="0">
+                <a:solidFill>
+                  <a:srgbClr val="040C28"/>
+                </a:solidFill>
+                <a:effectLst/>
+                <a:latin typeface="Verdana" panose="020B0604030504040204" pitchFamily="34" charset="0"/>
+                <a:ea typeface="Verdana" panose="020B0604030504040204" pitchFamily="34" charset="0"/>
+              </a:rPr>
+              <a:t>Dép</a:t>
+            </a:r>
+            <a:r>
+              <a:rPr lang="fr-FR" sz="1100" dirty="0">
+                <a:solidFill>
+                  <a:srgbClr val="040C28"/>
+                </a:solidFill>
+                <a:latin typeface="Verdana" panose="020B0604030504040204" pitchFamily="34" charset="0"/>
+                <a:ea typeface="Verdana" panose="020B0604030504040204" pitchFamily="34" charset="0"/>
+              </a:rPr>
+              <a:t>ôt </a:t>
+            </a:r>
+            <a:r>
+              <a:rPr lang="fr-FR" sz="1100" dirty="0" err="1">
+                <a:solidFill>
+                  <a:srgbClr val="040C28"/>
+                </a:solidFill>
+                <a:latin typeface="Verdana" panose="020B0604030504040204" pitchFamily="34" charset="0"/>
+                <a:ea typeface="Verdana" panose="020B0604030504040204" pitchFamily="34" charset="0"/>
+              </a:rPr>
+              <a:t>Github</a:t>
+            </a:r>
+            <a:r>
+              <a:rPr lang="fr-FR" sz="1100" dirty="0">
+                <a:solidFill>
+                  <a:srgbClr val="040C28"/>
+                </a:solidFill>
+                <a:latin typeface="Verdana" panose="020B0604030504040204" pitchFamily="34" charset="0"/>
+                <a:ea typeface="Verdana" panose="020B0604030504040204" pitchFamily="34" charset="0"/>
+              </a:rPr>
+              <a:t> DASHBOARD – URL </a:t>
+            </a:r>
+            <a:r>
+              <a:rPr lang="fr-FR" sz="1100" dirty="0" err="1">
+                <a:solidFill>
+                  <a:srgbClr val="040C28"/>
+                </a:solidFill>
+                <a:latin typeface="Verdana" panose="020B0604030504040204" pitchFamily="34" charset="0"/>
+                <a:ea typeface="Verdana" panose="020B0604030504040204" pitchFamily="34" charset="0"/>
+              </a:rPr>
+              <a:t>Render</a:t>
+            </a:r>
+            <a:endParaRPr lang="fr-FR" sz="1100" dirty="0">
+              <a:latin typeface="Verdana" panose="020B0604030504040204" pitchFamily="34" charset="0"/>
+              <a:ea typeface="Verdana" panose="020B0604030504040204" pitchFamily="34" charset="0"/>
+            </a:endParaRPr>
+          </a:p>
+        </p:txBody>
+      </p:sp>
+      <p:cxnSp>
+        <p:nvCxnSpPr>
+          <p:cNvPr id="33" name="Connecteur droit avec flèche 32">
+            <a:extLst>
+              <a:ext uri="{FF2B5EF4-FFF2-40B4-BE49-F238E27FC236}">
+                <a16:creationId xmlns:a16="http://schemas.microsoft.com/office/drawing/2014/main" id="{DFE8BDA1-4ECC-020A-5016-8F36053B38EF}"/>
+              </a:ext>
+            </a:extLst>
+          </p:cNvPr>
+          <p:cNvCxnSpPr>
+            <a:cxnSpLocks/>
+          </p:cNvCxnSpPr>
+          <p:nvPr/>
+        </p:nvCxnSpPr>
+        <p:spPr>
+          <a:xfrm flipV="1">
+            <a:off x="4996182" y="2987306"/>
+            <a:ext cx="1626986" cy="3225494"/>
+          </a:xfrm>
+          <a:prstGeom prst="straightConnector1">
+            <a:avLst/>
+          </a:prstGeom>
+          <a:ln w="38100">
+            <a:prstDash val="dash"/>
+            <a:tailEnd type="triangle"/>
+          </a:ln>
+        </p:spPr>
+        <p:style>
+          <a:lnRef idx="1">
+            <a:schemeClr val="accent1"/>
+          </a:lnRef>
+          <a:fillRef idx="0">
+            <a:schemeClr val="accent1"/>
+          </a:fillRef>
+          <a:effectRef idx="0">
+            <a:schemeClr val="accent1"/>
+          </a:effectRef>
+          <a:fontRef idx="minor">
+            <a:schemeClr val="tx1"/>
+          </a:fontRef>
+        </p:style>
+      </p:cxnSp>
+      <p:cxnSp>
+        <p:nvCxnSpPr>
+          <p:cNvPr id="38" name="Connecteur droit avec flèche 37">
+            <a:extLst>
+              <a:ext uri="{FF2B5EF4-FFF2-40B4-BE49-F238E27FC236}">
+                <a16:creationId xmlns:a16="http://schemas.microsoft.com/office/drawing/2014/main" id="{1A1B3AE1-472A-B104-5AEE-82D4A01ADB98}"/>
+              </a:ext>
+            </a:extLst>
+          </p:cNvPr>
+          <p:cNvCxnSpPr>
+            <a:cxnSpLocks/>
+          </p:cNvCxnSpPr>
+          <p:nvPr/>
+        </p:nvCxnSpPr>
+        <p:spPr>
+          <a:xfrm>
+            <a:off x="8799163" y="3311732"/>
+            <a:ext cx="0" cy="1115630"/>
+          </a:xfrm>
+          <a:prstGeom prst="straightConnector1">
+            <a:avLst/>
+          </a:prstGeom>
+          <a:ln w="38100">
+            <a:prstDash val="dash"/>
+            <a:tailEnd type="triangle"/>
+          </a:ln>
+        </p:spPr>
+        <p:style>
+          <a:lnRef idx="1">
+            <a:schemeClr val="accent1"/>
+          </a:lnRef>
+          <a:fillRef idx="0">
+            <a:schemeClr val="accent1"/>
+          </a:fillRef>
+          <a:effectRef idx="0">
+            <a:schemeClr val="accent1"/>
+          </a:effectRef>
+          <a:fontRef idx="minor">
+            <a:schemeClr val="tx1"/>
+          </a:fontRef>
+        </p:style>
+      </p:cxnSp>
+      <p:sp>
+        <p:nvSpPr>
+          <p:cNvPr id="39" name="ZoneTexte 38">
+            <a:extLst>
+              <a:ext uri="{FF2B5EF4-FFF2-40B4-BE49-F238E27FC236}">
+                <a16:creationId xmlns:a16="http://schemas.microsoft.com/office/drawing/2014/main" id="{A700077C-CA84-A60B-5A5E-A50015701AA5}"/>
+              </a:ext>
+            </a:extLst>
+          </p:cNvPr>
+          <p:cNvSpPr txBox="1"/>
+          <p:nvPr/>
+        </p:nvSpPr>
+        <p:spPr>
+          <a:xfrm>
+            <a:off x="8945254" y="3443382"/>
+            <a:ext cx="2251789" cy="819840"/>
+          </a:xfrm>
+          <a:prstGeom prst="rect">
+            <a:avLst/>
+          </a:prstGeom>
+          <a:noFill/>
+        </p:spPr>
+        <p:txBody>
+          <a:bodyPr wrap="square">
+            <a:spAutoFit/>
+          </a:bodyPr>
+          <a:lstStyle/>
+          <a:p>
+            <a:pPr>
+              <a:lnSpc>
+                <a:spcPct val="150000"/>
+              </a:lnSpc>
+            </a:pPr>
+            <a:r>
+              <a:rPr lang="fr-FR" sz="1100" i="1" dirty="0">
+                <a:solidFill>
+                  <a:srgbClr val="040C28"/>
+                </a:solidFill>
+                <a:effectLst/>
+                <a:latin typeface="Verdana" panose="020B0604030504040204" pitchFamily="34" charset="0"/>
+                <a:ea typeface="Verdana" panose="020B0604030504040204" pitchFamily="34" charset="0"/>
+              </a:rPr>
+              <a:t>Déploiement Web APP et </a:t>
+            </a:r>
+          </a:p>
+          <a:p>
+            <a:pPr>
+              <a:lnSpc>
+                <a:spcPct val="150000"/>
+              </a:lnSpc>
+            </a:pPr>
+            <a:r>
+              <a:rPr lang="fr-FR" sz="1100" i="1" dirty="0">
+                <a:solidFill>
+                  <a:srgbClr val="040C28"/>
+                </a:solidFill>
+                <a:latin typeface="Verdana" panose="020B0604030504040204" pitchFamily="34" charset="0"/>
+                <a:ea typeface="Verdana" panose="020B0604030504040204" pitchFamily="34" charset="0"/>
+              </a:rPr>
+              <a:t>Modification si new commit</a:t>
+            </a:r>
+          </a:p>
+          <a:p>
+            <a:pPr>
+              <a:lnSpc>
+                <a:spcPct val="150000"/>
+              </a:lnSpc>
+            </a:pPr>
+            <a:r>
+              <a:rPr lang="fr-FR" sz="1100" i="1" dirty="0">
+                <a:solidFill>
+                  <a:srgbClr val="040C28"/>
+                </a:solidFill>
+                <a:latin typeface="Verdana" panose="020B0604030504040204" pitchFamily="34" charset="0"/>
+                <a:ea typeface="Verdana" panose="020B0604030504040204" pitchFamily="34" charset="0"/>
+              </a:rPr>
+              <a:t>- Connecté au dépôt GITHUB</a:t>
+            </a:r>
+            <a:endParaRPr lang="fr-FR" sz="1100" i="1" dirty="0">
+              <a:latin typeface="Verdana" panose="020B0604030504040204" pitchFamily="34" charset="0"/>
+              <a:ea typeface="Verdana" panose="020B0604030504040204" pitchFamily="34" charset="0"/>
+            </a:endParaRPr>
+          </a:p>
+        </p:txBody>
+      </p:sp>
+      <p:pic>
+        <p:nvPicPr>
+          <p:cNvPr id="42" name="Picture 2" descr="GitHub – Applications sur Google Play">
+            <a:extLst>
+              <a:ext uri="{FF2B5EF4-FFF2-40B4-BE49-F238E27FC236}">
+                <a16:creationId xmlns:a16="http://schemas.microsoft.com/office/drawing/2014/main" id="{724266F5-A8BF-61DB-7AAB-211541D070FD}"/>
+              </a:ext>
+            </a:extLst>
+          </p:cNvPr>
+          <p:cNvPicPr>
+            <a:picLocks noChangeAspect="1" noChangeArrowheads="1"/>
+          </p:cNvPicPr>
+          <p:nvPr/>
+        </p:nvPicPr>
+        <p:blipFill>
+          <a:blip r:embed="rId3">
+            <a:extLst>
+              <a:ext uri="{28A0092B-C50C-407E-A947-70E740481C1C}">
+                <a14:useLocalDpi xmlns:a14="http://schemas.microsoft.com/office/drawing/2010/main" val="0"/>
+              </a:ext>
+            </a:extLst>
+          </a:blip>
+          <a:srcRect/>
+          <a:stretch>
+            <a:fillRect/>
+          </a:stretch>
+        </p:blipFill>
+        <p:spPr bwMode="auto">
+          <a:xfrm>
+            <a:off x="6794391" y="2742435"/>
+            <a:ext cx="651669" cy="651669"/>
+          </a:xfrm>
+          <a:prstGeom prst="rect">
+            <a:avLst/>
+          </a:prstGeom>
+          <a:noFill/>
+          <a:extLst>
+            <a:ext uri="{909E8E84-426E-40DD-AFC4-6F175D3DCCD1}">
+              <a14:hiddenFill xmlns:a14="http://schemas.microsoft.com/office/drawing/2010/main">
+                <a:solidFill>
+                  <a:srgbClr val="FFFFFF"/>
+                </a:solidFill>
+              </a14:hiddenFill>
+            </a:ext>
+          </a:extLst>
+        </p:spPr>
+      </p:pic>
+      <p:pic>
+        <p:nvPicPr>
+          <p:cNvPr id="46" name="Image 45" descr="Une image contenant Police, Graphique, logo, blanc&#10;&#10;Description générée automatiquement">
+            <a:extLst>
+              <a:ext uri="{FF2B5EF4-FFF2-40B4-BE49-F238E27FC236}">
+                <a16:creationId xmlns:a16="http://schemas.microsoft.com/office/drawing/2014/main" id="{F42035F7-6125-AF43-03AA-7D84DAE1314E}"/>
+              </a:ext>
+            </a:extLst>
+          </p:cNvPr>
+          <p:cNvPicPr>
+            <a:picLocks noChangeAspect="1"/>
+          </p:cNvPicPr>
+          <p:nvPr/>
+        </p:nvPicPr>
+        <p:blipFill rotWithShape="1">
+          <a:blip r:embed="rId6">
+            <a:extLst>
+              <a:ext uri="{28A0092B-C50C-407E-A947-70E740481C1C}">
+                <a14:useLocalDpi xmlns:a14="http://schemas.microsoft.com/office/drawing/2010/main" val="0"/>
+              </a:ext>
+            </a:extLst>
+          </a:blip>
+          <a:srcRect l="17332" t="4121" r="19703" b="5053"/>
+          <a:stretch/>
+        </p:blipFill>
+        <p:spPr>
+          <a:xfrm>
+            <a:off x="1709529" y="4151226"/>
+            <a:ext cx="1110658" cy="819841"/>
+          </a:xfrm>
+          <a:prstGeom prst="rect">
+            <a:avLst/>
+          </a:prstGeom>
+        </p:spPr>
+      </p:pic>
     </p:spTree>
     <p:extLst>
       <p:ext uri="{BB962C8B-B14F-4D97-AF65-F5344CB8AC3E}">
-        <p14:creationId xmlns:p14="http://schemas.microsoft.com/office/powerpoint/2010/main" val="921854150"/>
+        <p14:creationId xmlns:p14="http://schemas.microsoft.com/office/powerpoint/2010/main" val="2908848511"/>
       </p:ext>
     </p:extLst>
   </p:cSld>
@@ -10999,67 +11756,6 @@
       </p:grpSpPr>
       <p:sp>
         <p:nvSpPr>
-          <p:cNvPr id="2" name="Titre 1">
-            <a:extLst>
-              <a:ext uri="{FF2B5EF4-FFF2-40B4-BE49-F238E27FC236}">
-                <a16:creationId xmlns:a16="http://schemas.microsoft.com/office/drawing/2014/main" id="{4279B1F2-92FB-39C6-14F8-3BBEB272E340}"/>
-              </a:ext>
-            </a:extLst>
-          </p:cNvPr>
-          <p:cNvSpPr>
-            <a:spLocks noGrp="1"/>
-          </p:cNvSpPr>
-          <p:nvPr>
-            <p:ph type="title"/>
-          </p:nvPr>
-        </p:nvSpPr>
-        <p:spPr>
-          <a:xfrm>
-            <a:off x="479565" y="645200"/>
-            <a:ext cx="11433513" cy="864423"/>
-          </a:xfrm>
-        </p:spPr>
-        <p:txBody>
-          <a:bodyPr anchor="ctr">
-            <a:normAutofit/>
-          </a:bodyPr>
-          <a:lstStyle/>
-          <a:p>
-            <a:pPr marL="0" indent="0">
-              <a:lnSpc>
-                <a:spcPct val="160000"/>
-              </a:lnSpc>
-              <a:spcBef>
-                <a:spcPts val="0"/>
-              </a:spcBef>
-              <a:spcAft>
-                <a:spcPts val="0"/>
-              </a:spcAft>
-              <a:buNone/>
-            </a:pPr>
-            <a:r>
-              <a:rPr lang="fr-FR" sz="3200" b="1" dirty="0">
-                <a:latin typeface="Verdana" panose="020B0604030504040204" pitchFamily="34" charset="0"/>
-                <a:ea typeface="Verdana" panose="020B0604030504040204" pitchFamily="34" charset="0"/>
-              </a:rPr>
-              <a:t>Pipeline de </a:t>
-            </a:r>
-            <a:r>
-              <a:rPr lang="fr-FR" sz="3200" b="1" dirty="0" err="1">
-                <a:latin typeface="Verdana" panose="020B0604030504040204" pitchFamily="34" charset="0"/>
-                <a:ea typeface="Verdana" panose="020B0604030504040204" pitchFamily="34" charset="0"/>
-              </a:rPr>
-              <a:t>déployement</a:t>
-            </a:r>
-            <a:endParaRPr lang="fr-FR" sz="3200" b="1" dirty="0">
-              <a:latin typeface="Verdana" panose="020B0604030504040204" pitchFamily="34" charset="0"/>
-              <a:ea typeface="Verdana" panose="020B0604030504040204" pitchFamily="34" charset="0"/>
-            </a:endParaRPr>
-          </a:p>
-        </p:txBody>
-      </p:sp>
-      <p:sp>
-        <p:nvSpPr>
           <p:cNvPr id="4" name="Espace réservé du numéro de diapositive 3">
             <a:extLst>
               <a:ext uri="{FF2B5EF4-FFF2-40B4-BE49-F238E27FC236}">
@@ -11087,478 +11783,6 @@
             <a:fld id="{A46C9AE1-DB3E-4619-AB60-AF335A7A74F1}" type="slidenum">
               <a:rPr lang="fr-FR" sz="1600" b="1" smtClean="0"/>
               <a:t>17</a:t>
-            </a:fld>
-            <a:endParaRPr lang="fr-FR" sz="1600" b="1" dirty="0"/>
-          </a:p>
-        </p:txBody>
-      </p:sp>
-      <p:pic>
-        <p:nvPicPr>
-          <p:cNvPr id="1026" name="Picture 2" descr="GitHub – Applications sur Google Play">
-            <a:extLst>
-              <a:ext uri="{FF2B5EF4-FFF2-40B4-BE49-F238E27FC236}">
-                <a16:creationId xmlns:a16="http://schemas.microsoft.com/office/drawing/2014/main" id="{8B383A92-E0A5-1197-38AA-4A03B69C26F1}"/>
-              </a:ext>
-            </a:extLst>
-          </p:cNvPr>
-          <p:cNvPicPr>
-            <a:picLocks noChangeAspect="1" noChangeArrowheads="1"/>
-          </p:cNvPicPr>
-          <p:nvPr/>
-        </p:nvPicPr>
-        <p:blipFill>
-          <a:blip r:embed="rId2">
-            <a:extLst>
-              <a:ext uri="{28A0092B-C50C-407E-A947-70E740481C1C}">
-                <a14:useLocalDpi xmlns:a14="http://schemas.microsoft.com/office/drawing/2010/main" val="0"/>
-              </a:ext>
-            </a:extLst>
-          </a:blip>
-          <a:srcRect/>
-          <a:stretch>
-            <a:fillRect/>
-          </a:stretch>
-        </p:blipFill>
-        <p:spPr bwMode="auto">
-          <a:xfrm>
-            <a:off x="967904" y="2346182"/>
-            <a:ext cx="1469308" cy="1469308"/>
-          </a:xfrm>
-          <a:prstGeom prst="rect">
-            <a:avLst/>
-          </a:prstGeom>
-          <a:noFill/>
-          <a:extLst>
-            <a:ext uri="{909E8E84-426E-40DD-AFC4-6F175D3DCCD1}">
-              <a14:hiddenFill xmlns:a14="http://schemas.microsoft.com/office/drawing/2010/main">
-                <a:solidFill>
-                  <a:srgbClr val="FFFFFF"/>
-                </a:solidFill>
-              </a14:hiddenFill>
-            </a:ext>
-          </a:extLst>
-        </p:spPr>
-      </p:pic>
-      <p:pic>
-        <p:nvPicPr>
-          <p:cNvPr id="1028" name="Picture 4" descr="Pytest — What is it?. Pytest is a testing framework that… | by Asmiry  Sanchez | Medium">
-            <a:extLst>
-              <a:ext uri="{FF2B5EF4-FFF2-40B4-BE49-F238E27FC236}">
-                <a16:creationId xmlns:a16="http://schemas.microsoft.com/office/drawing/2014/main" id="{4A187BCE-80A2-2EF7-7079-226663F263DE}"/>
-              </a:ext>
-            </a:extLst>
-          </p:cNvPr>
-          <p:cNvPicPr>
-            <a:picLocks noChangeAspect="1" noChangeArrowheads="1"/>
-          </p:cNvPicPr>
-          <p:nvPr/>
-        </p:nvPicPr>
-        <p:blipFill>
-          <a:blip r:embed="rId3">
-            <a:extLst>
-              <a:ext uri="{28A0092B-C50C-407E-A947-70E740481C1C}">
-                <a14:useLocalDpi xmlns:a14="http://schemas.microsoft.com/office/drawing/2010/main" val="0"/>
-              </a:ext>
-            </a:extLst>
-          </a:blip>
-          <a:srcRect/>
-          <a:stretch>
-            <a:fillRect/>
-          </a:stretch>
-        </p:blipFill>
-        <p:spPr bwMode="auto">
-          <a:xfrm>
-            <a:off x="6526472" y="2298309"/>
-            <a:ext cx="2894343" cy="1342785"/>
-          </a:xfrm>
-          <a:prstGeom prst="rect">
-            <a:avLst/>
-          </a:prstGeom>
-          <a:noFill/>
-          <a:extLst>
-            <a:ext uri="{909E8E84-426E-40DD-AFC4-6F175D3DCCD1}">
-              <a14:hiddenFill xmlns:a14="http://schemas.microsoft.com/office/drawing/2010/main">
-                <a:solidFill>
-                  <a:srgbClr val="FFFFFF"/>
-                </a:solidFill>
-              </a14:hiddenFill>
-            </a:ext>
-          </a:extLst>
-        </p:spPr>
-      </p:pic>
-      <p:sp>
-        <p:nvSpPr>
-          <p:cNvPr id="7" name="ZoneTexte 6">
-            <a:extLst>
-              <a:ext uri="{FF2B5EF4-FFF2-40B4-BE49-F238E27FC236}">
-                <a16:creationId xmlns:a16="http://schemas.microsoft.com/office/drawing/2014/main" id="{2C81FA4E-3FBE-EB1D-2616-316F2A12570D}"/>
-              </a:ext>
-            </a:extLst>
-          </p:cNvPr>
-          <p:cNvSpPr txBox="1"/>
-          <p:nvPr/>
-        </p:nvSpPr>
-        <p:spPr>
-          <a:xfrm>
-            <a:off x="2517688" y="2524883"/>
-            <a:ext cx="2894343" cy="984565"/>
-          </a:xfrm>
-          <a:prstGeom prst="rect">
-            <a:avLst/>
-          </a:prstGeom>
-          <a:noFill/>
-        </p:spPr>
-        <p:txBody>
-          <a:bodyPr wrap="square">
-            <a:spAutoFit/>
-          </a:bodyPr>
-          <a:lstStyle/>
-          <a:p>
-            <a:pPr>
-              <a:lnSpc>
-                <a:spcPct val="150000"/>
-              </a:lnSpc>
-            </a:pPr>
-            <a:r>
-              <a:rPr lang="fr-FR" sz="1000" b="0" i="0" dirty="0">
-                <a:solidFill>
-                  <a:srgbClr val="040C28"/>
-                </a:solidFill>
-                <a:effectLst/>
-                <a:latin typeface="Verdana" panose="020B0604030504040204" pitchFamily="34" charset="0"/>
-                <a:ea typeface="Verdana" panose="020B0604030504040204" pitchFamily="34" charset="0"/>
-              </a:rPr>
-              <a:t>Site de partage de code, sur lequel on peut publier des projets dont le code est géré avec le système de gestion de version Git</a:t>
-            </a:r>
-            <a:r>
-              <a:rPr lang="fr-FR" sz="1000" b="0" i="0" dirty="0">
-                <a:solidFill>
-                  <a:srgbClr val="202124"/>
-                </a:solidFill>
-                <a:effectLst/>
-                <a:latin typeface="Verdana" panose="020B0604030504040204" pitchFamily="34" charset="0"/>
-                <a:ea typeface="Verdana" panose="020B0604030504040204" pitchFamily="34" charset="0"/>
-              </a:rPr>
-              <a:t>.</a:t>
-            </a:r>
-            <a:endParaRPr lang="fr-FR" sz="1000" dirty="0">
-              <a:latin typeface="Verdana" panose="020B0604030504040204" pitchFamily="34" charset="0"/>
-              <a:ea typeface="Verdana" panose="020B0604030504040204" pitchFamily="34" charset="0"/>
-            </a:endParaRPr>
-          </a:p>
-        </p:txBody>
-      </p:sp>
-      <p:sp>
-        <p:nvSpPr>
-          <p:cNvPr id="8" name="ZoneTexte 7">
-            <a:extLst>
-              <a:ext uri="{FF2B5EF4-FFF2-40B4-BE49-F238E27FC236}">
-                <a16:creationId xmlns:a16="http://schemas.microsoft.com/office/drawing/2014/main" id="{0295CCC3-73F3-AF44-C899-22DDDA02279B}"/>
-              </a:ext>
-            </a:extLst>
-          </p:cNvPr>
-          <p:cNvSpPr txBox="1"/>
-          <p:nvPr/>
-        </p:nvSpPr>
-        <p:spPr>
-          <a:xfrm>
-            <a:off x="1048332" y="1971194"/>
-            <a:ext cx="1050288" cy="338554"/>
-          </a:xfrm>
-          <a:prstGeom prst="rect">
-            <a:avLst/>
-          </a:prstGeom>
-          <a:noFill/>
-        </p:spPr>
-        <p:txBody>
-          <a:bodyPr wrap="none" rtlCol="0">
-            <a:spAutoFit/>
-          </a:bodyPr>
-          <a:lstStyle/>
-          <a:p>
-            <a:r>
-              <a:rPr lang="fr-FR" sz="1600" b="1" dirty="0"/>
-              <a:t>GITHUB</a:t>
-            </a:r>
-          </a:p>
-        </p:txBody>
-      </p:sp>
-      <p:sp>
-        <p:nvSpPr>
-          <p:cNvPr id="9" name="ZoneTexte 8">
-            <a:extLst>
-              <a:ext uri="{FF2B5EF4-FFF2-40B4-BE49-F238E27FC236}">
-                <a16:creationId xmlns:a16="http://schemas.microsoft.com/office/drawing/2014/main" id="{9EAE5E5C-3F5F-DF66-5112-DD6C50B40ECA}"/>
-              </a:ext>
-            </a:extLst>
-          </p:cNvPr>
-          <p:cNvSpPr txBox="1"/>
-          <p:nvPr/>
-        </p:nvSpPr>
-        <p:spPr>
-          <a:xfrm>
-            <a:off x="7442678" y="1939953"/>
-            <a:ext cx="1013419" cy="338554"/>
-          </a:xfrm>
-          <a:prstGeom prst="rect">
-            <a:avLst/>
-          </a:prstGeom>
-          <a:noFill/>
-        </p:spPr>
-        <p:txBody>
-          <a:bodyPr wrap="none" rtlCol="0">
-            <a:spAutoFit/>
-          </a:bodyPr>
-          <a:lstStyle/>
-          <a:p>
-            <a:r>
-              <a:rPr lang="fr-FR" sz="1600" b="1" dirty="0"/>
-              <a:t>PYTEST</a:t>
-            </a:r>
-          </a:p>
-        </p:txBody>
-      </p:sp>
-      <p:sp>
-        <p:nvSpPr>
-          <p:cNvPr id="10" name="ZoneTexte 9">
-            <a:extLst>
-              <a:ext uri="{FF2B5EF4-FFF2-40B4-BE49-F238E27FC236}">
-                <a16:creationId xmlns:a16="http://schemas.microsoft.com/office/drawing/2014/main" id="{A4EF78AE-2CDD-7895-1ABA-5ED64FD23B0A}"/>
-              </a:ext>
-            </a:extLst>
-          </p:cNvPr>
-          <p:cNvSpPr txBox="1"/>
-          <p:nvPr/>
-        </p:nvSpPr>
-        <p:spPr>
-          <a:xfrm>
-            <a:off x="9420044" y="2524883"/>
-            <a:ext cx="2493034" cy="753732"/>
-          </a:xfrm>
-          <a:prstGeom prst="rect">
-            <a:avLst/>
-          </a:prstGeom>
-          <a:noFill/>
-        </p:spPr>
-        <p:txBody>
-          <a:bodyPr wrap="square">
-            <a:spAutoFit/>
-          </a:bodyPr>
-          <a:lstStyle/>
-          <a:p>
-            <a:pPr>
-              <a:lnSpc>
-                <a:spcPct val="150000"/>
-              </a:lnSpc>
-            </a:pPr>
-            <a:r>
-              <a:rPr lang="fr-FR" sz="1000" b="0" i="0" dirty="0" err="1">
-                <a:solidFill>
-                  <a:srgbClr val="040C28"/>
-                </a:solidFill>
-                <a:effectLst/>
-                <a:latin typeface="Verdana" panose="020B0604030504040204" pitchFamily="34" charset="0"/>
-                <a:ea typeface="Verdana" panose="020B0604030504040204" pitchFamily="34" charset="0"/>
-              </a:rPr>
-              <a:t>Bibliothèqe</a:t>
-            </a:r>
-            <a:r>
-              <a:rPr lang="fr-FR" sz="1000" b="0" i="0" dirty="0">
-                <a:solidFill>
-                  <a:srgbClr val="040C28"/>
-                </a:solidFill>
-                <a:effectLst/>
-                <a:latin typeface="Verdana" panose="020B0604030504040204" pitchFamily="34" charset="0"/>
-                <a:ea typeface="Verdana" panose="020B0604030504040204" pitchFamily="34" charset="0"/>
-              </a:rPr>
-              <a:t> Python pour tester son code et assurer sa qualité et son bon fonctionnement</a:t>
-            </a:r>
-            <a:endParaRPr lang="fr-FR" sz="1000" dirty="0">
-              <a:latin typeface="Verdana" panose="020B0604030504040204" pitchFamily="34" charset="0"/>
-              <a:ea typeface="Verdana" panose="020B0604030504040204" pitchFamily="34" charset="0"/>
-            </a:endParaRPr>
-          </a:p>
-        </p:txBody>
-      </p:sp>
-      <p:pic>
-        <p:nvPicPr>
-          <p:cNvPr id="5" name="Image 4">
-            <a:extLst>
-              <a:ext uri="{FF2B5EF4-FFF2-40B4-BE49-F238E27FC236}">
-                <a16:creationId xmlns:a16="http://schemas.microsoft.com/office/drawing/2014/main" id="{ADE12F8A-4408-364F-F4F7-AAE7C6F9F577}"/>
-              </a:ext>
-            </a:extLst>
-          </p:cNvPr>
-          <p:cNvPicPr>
-            <a:picLocks noChangeAspect="1"/>
-          </p:cNvPicPr>
-          <p:nvPr/>
-        </p:nvPicPr>
-        <p:blipFill rotWithShape="1">
-          <a:blip r:embed="rId4"/>
-          <a:srcRect b="8553"/>
-          <a:stretch/>
-        </p:blipFill>
-        <p:spPr>
-          <a:xfrm>
-            <a:off x="672854" y="4091056"/>
-            <a:ext cx="4444128" cy="2121744"/>
-          </a:xfrm>
-          <a:prstGeom prst="rect">
-            <a:avLst/>
-          </a:prstGeom>
-        </p:spPr>
-      </p:pic>
-      <p:pic>
-        <p:nvPicPr>
-          <p:cNvPr id="6" name="Image 5">
-            <a:extLst>
-              <a:ext uri="{FF2B5EF4-FFF2-40B4-BE49-F238E27FC236}">
-                <a16:creationId xmlns:a16="http://schemas.microsoft.com/office/drawing/2014/main" id="{97B72D6B-EC6A-7539-04F6-75F74E473FA2}"/>
-              </a:ext>
-            </a:extLst>
-          </p:cNvPr>
-          <p:cNvPicPr>
-            <a:picLocks noChangeAspect="1"/>
-          </p:cNvPicPr>
-          <p:nvPr/>
-        </p:nvPicPr>
-        <p:blipFill>
-          <a:blip r:embed="rId5"/>
-          <a:stretch>
-            <a:fillRect/>
-          </a:stretch>
-        </p:blipFill>
-        <p:spPr>
-          <a:xfrm>
-            <a:off x="5827526" y="4030093"/>
-            <a:ext cx="6085552" cy="1086903"/>
-          </a:xfrm>
-          <a:prstGeom prst="rect">
-            <a:avLst/>
-          </a:prstGeom>
-        </p:spPr>
-      </p:pic>
-    </p:spTree>
-    <p:extLst>
-      <p:ext uri="{BB962C8B-B14F-4D97-AF65-F5344CB8AC3E}">
-        <p14:creationId xmlns:p14="http://schemas.microsoft.com/office/powerpoint/2010/main" val="1079305121"/>
-      </p:ext>
-    </p:extLst>
-  </p:cSld>
-  <p:clrMapOvr>
-    <a:masterClrMapping/>
-  </p:clrMapOvr>
-</p:sld>
-</file>
-
-<file path=ppt/slides/slide18.xml><?xml version="1.0" encoding="utf-8"?>
-<p:sld xmlns:a="http://schemas.openxmlformats.org/drawingml/2006/main" xmlns:r="http://schemas.openxmlformats.org/officeDocument/2006/relationships" xmlns:p="http://schemas.openxmlformats.org/presentationml/2006/main">
-  <p:cSld>
-    <p:spTree>
-      <p:nvGrpSpPr>
-        <p:cNvPr id="1" name=""/>
-        <p:cNvGrpSpPr/>
-        <p:nvPr/>
-      </p:nvGrpSpPr>
-      <p:grpSpPr>
-        <a:xfrm>
-          <a:off x="0" y="0"/>
-          <a:ext cx="0" cy="0"/>
-          <a:chOff x="0" y="0"/>
-          <a:chExt cx="0" cy="0"/>
-        </a:xfrm>
-      </p:grpSpPr>
-      <p:sp>
-        <p:nvSpPr>
-          <p:cNvPr id="2" name="Titre 1">
-            <a:extLst>
-              <a:ext uri="{FF2B5EF4-FFF2-40B4-BE49-F238E27FC236}">
-                <a16:creationId xmlns:a16="http://schemas.microsoft.com/office/drawing/2014/main" id="{4279B1F2-92FB-39C6-14F8-3BBEB272E340}"/>
-              </a:ext>
-            </a:extLst>
-          </p:cNvPr>
-          <p:cNvSpPr>
-            <a:spLocks noGrp="1"/>
-          </p:cNvSpPr>
-          <p:nvPr>
-            <p:ph type="title"/>
-          </p:nvPr>
-        </p:nvSpPr>
-        <p:spPr>
-          <a:xfrm>
-            <a:off x="479565" y="645200"/>
-            <a:ext cx="11433513" cy="864423"/>
-          </a:xfrm>
-        </p:spPr>
-        <p:txBody>
-          <a:bodyPr anchor="ctr">
-            <a:normAutofit/>
-          </a:bodyPr>
-          <a:lstStyle/>
-          <a:p>
-            <a:pPr marL="0" indent="0">
-              <a:lnSpc>
-                <a:spcPct val="160000"/>
-              </a:lnSpc>
-              <a:spcBef>
-                <a:spcPts val="0"/>
-              </a:spcBef>
-              <a:spcAft>
-                <a:spcPts val="0"/>
-              </a:spcAft>
-              <a:buNone/>
-            </a:pPr>
-            <a:r>
-              <a:rPr lang="fr-FR" sz="3200" b="1" dirty="0">
-                <a:latin typeface="Verdana" panose="020B0604030504040204" pitchFamily="34" charset="0"/>
-                <a:ea typeface="Verdana" panose="020B0604030504040204" pitchFamily="34" charset="0"/>
-              </a:rPr>
-              <a:t>Pipeline de </a:t>
-            </a:r>
-            <a:r>
-              <a:rPr lang="fr-FR" sz="3200" b="1" dirty="0" err="1">
-                <a:latin typeface="Verdana" panose="020B0604030504040204" pitchFamily="34" charset="0"/>
-                <a:ea typeface="Verdana" panose="020B0604030504040204" pitchFamily="34" charset="0"/>
-              </a:rPr>
-              <a:t>déploIement</a:t>
-            </a:r>
-            <a:endParaRPr lang="fr-FR" sz="3200" b="1" dirty="0">
-              <a:latin typeface="Verdana" panose="020B0604030504040204" pitchFamily="34" charset="0"/>
-              <a:ea typeface="Verdana" panose="020B0604030504040204" pitchFamily="34" charset="0"/>
-            </a:endParaRPr>
-          </a:p>
-        </p:txBody>
-      </p:sp>
-      <p:sp>
-        <p:nvSpPr>
-          <p:cNvPr id="4" name="Espace réservé du numéro de diapositive 3">
-            <a:extLst>
-              <a:ext uri="{FF2B5EF4-FFF2-40B4-BE49-F238E27FC236}">
-                <a16:creationId xmlns:a16="http://schemas.microsoft.com/office/drawing/2014/main" id="{28736CAC-C62E-D7DD-D4C6-0AC9DF4A27C5}"/>
-              </a:ext>
-            </a:extLst>
-          </p:cNvPr>
-          <p:cNvSpPr>
-            <a:spLocks noGrp="1"/>
-          </p:cNvSpPr>
-          <p:nvPr>
-            <p:ph type="sldNum" sz="quarter" idx="12"/>
-          </p:nvPr>
-        </p:nvSpPr>
-        <p:spPr>
-          <a:xfrm>
-            <a:off x="10670789" y="6330529"/>
-            <a:ext cx="1052508" cy="365125"/>
-          </a:xfrm>
-        </p:spPr>
-        <p:txBody>
-          <a:bodyPr/>
-          <a:lstStyle/>
-          <a:p>
-            <a:fld id="{A46C9AE1-DB3E-4619-AB60-AF335A7A74F1}" type="slidenum">
-              <a:rPr lang="fr-FR" sz="1600" b="1" smtClean="0"/>
-              <a:t>18</a:t>
             </a:fld>
             <a:endParaRPr lang="fr-FR" sz="1600" b="1" dirty="0"/>
           </a:p>
@@ -11885,6 +12109,73 @@
           </a:prstGeom>
         </p:spPr>
       </p:pic>
+      <p:sp>
+        <p:nvSpPr>
+          <p:cNvPr id="9" name="Titre 1">
+            <a:extLst>
+              <a:ext uri="{FF2B5EF4-FFF2-40B4-BE49-F238E27FC236}">
+                <a16:creationId xmlns:a16="http://schemas.microsoft.com/office/drawing/2014/main" id="{50025ADA-685F-EC49-4FDB-0F6054EDE1EE}"/>
+              </a:ext>
+            </a:extLst>
+          </p:cNvPr>
+          <p:cNvSpPr>
+            <a:spLocks noGrp="1"/>
+          </p:cNvSpPr>
+          <p:nvPr>
+            <p:ph type="title"/>
+          </p:nvPr>
+        </p:nvSpPr>
+        <p:spPr>
+          <a:xfrm>
+            <a:off x="479565" y="645200"/>
+            <a:ext cx="11433513" cy="864423"/>
+          </a:xfrm>
+        </p:spPr>
+        <p:txBody>
+          <a:bodyPr anchor="ctr">
+            <a:normAutofit/>
+          </a:bodyPr>
+          <a:lstStyle/>
+          <a:p>
+            <a:r>
+              <a:rPr lang="fr-FR" sz="3200" b="1" dirty="0">
+                <a:solidFill>
+                  <a:srgbClr val="FFFFFF"/>
+                </a:solidFill>
+                <a:latin typeface="Verdana" panose="020B0604030504040204" pitchFamily="34" charset="0"/>
+                <a:ea typeface="Verdana" panose="020B0604030504040204" pitchFamily="34" charset="0"/>
+              </a:rPr>
+              <a:t>DASHBOARD</a:t>
+            </a:r>
+            <a:br>
+              <a:rPr lang="fr-FR" sz="3200" b="1" dirty="0">
+                <a:solidFill>
+                  <a:srgbClr val="FFFFFF"/>
+                </a:solidFill>
+                <a:latin typeface="Verdana" panose="020B0604030504040204" pitchFamily="34" charset="0"/>
+                <a:ea typeface="Verdana" panose="020B0604030504040204" pitchFamily="34" charset="0"/>
+              </a:rPr>
+            </a:br>
+            <a:r>
+              <a:rPr lang="fr-FR" sz="1800" dirty="0">
+                <a:solidFill>
+                  <a:srgbClr val="FFFFFF"/>
+                </a:solidFill>
+                <a:latin typeface="Verdana" panose="020B0604030504040204" pitchFamily="34" charset="0"/>
+                <a:ea typeface="Verdana" panose="020B0604030504040204" pitchFamily="34" charset="0"/>
+              </a:rPr>
+              <a:t>SUIVI DU MODELE</a:t>
+            </a:r>
+            <a:endParaRPr lang="fr-FR" sz="3200" dirty="0">
+              <a:solidFill>
+                <a:srgbClr val="FFFFFF"/>
+              </a:solidFill>
+              <a:latin typeface="Verdana" panose="020B0604030504040204" pitchFamily="34" charset="0"/>
+              <a:ea typeface="Verdana" panose="020B0604030504040204" pitchFamily="34" charset="0"/>
+            </a:endParaRPr>
+          </a:p>
+        </p:txBody>
+      </p:sp>
     </p:spTree>
     <p:extLst>
       <p:ext uri="{BB962C8B-B14F-4D97-AF65-F5344CB8AC3E}">
@@ -11898,7 +12189,7 @@
 </p:sld>
 </file>
 
-<file path=ppt/slides/slide19.xml><?xml version="1.0" encoding="utf-8"?>
+<file path=ppt/slides/slide18.xml><?xml version="1.0" encoding="utf-8"?>
 <p:sld xmlns:a="http://schemas.openxmlformats.org/drawingml/2006/main" xmlns:r="http://schemas.openxmlformats.org/officeDocument/2006/relationships" xmlns:p="http://schemas.openxmlformats.org/presentationml/2006/main">
   <p:cSld>
     <p:bg>
@@ -12633,7 +12924,7 @@
                 <a:latin typeface="Verdana" panose="020B0604030504040204" pitchFamily="34" charset="0"/>
                 <a:ea typeface="Verdana" panose="020B0604030504040204" pitchFamily="34" charset="0"/>
               </a:rPr>
-              <a:t> 6 :</a:t>
+              <a:t> 4 :</a:t>
             </a:r>
             <a:br>
               <a:rPr lang="en-US" b="1" spc="-60" dirty="0">
@@ -12677,6 +12968,364 @@
     <p:extLst>
       <p:ext uri="{BB962C8B-B14F-4D97-AF65-F5344CB8AC3E}">
         <p14:creationId xmlns:p14="http://schemas.microsoft.com/office/powerpoint/2010/main" val="2684049"/>
+      </p:ext>
+    </p:extLst>
+  </p:cSld>
+  <p:clrMapOvr>
+    <a:masterClrMapping/>
+  </p:clrMapOvr>
+</p:sld>
+</file>
+
+<file path=ppt/slides/slide19.xml><?xml version="1.0" encoding="utf-8"?>
+<p:sld xmlns:a="http://schemas.openxmlformats.org/drawingml/2006/main" xmlns:r="http://schemas.openxmlformats.org/officeDocument/2006/relationships" xmlns:p="http://schemas.openxmlformats.org/presentationml/2006/main">
+  <p:cSld>
+    <p:spTree>
+      <p:nvGrpSpPr>
+        <p:cNvPr id="1" name=""/>
+        <p:cNvGrpSpPr/>
+        <p:nvPr/>
+      </p:nvGrpSpPr>
+      <p:grpSpPr>
+        <a:xfrm>
+          <a:off x="0" y="0"/>
+          <a:ext cx="0" cy="0"/>
+          <a:chOff x="0" y="0"/>
+          <a:chExt cx="0" cy="0"/>
+        </a:xfrm>
+      </p:grpSpPr>
+      <p:sp>
+        <p:nvSpPr>
+          <p:cNvPr id="2" name="Titre 1">
+            <a:extLst>
+              <a:ext uri="{FF2B5EF4-FFF2-40B4-BE49-F238E27FC236}">
+                <a16:creationId xmlns:a16="http://schemas.microsoft.com/office/drawing/2014/main" id="{4279B1F2-92FB-39C6-14F8-3BBEB272E340}"/>
+              </a:ext>
+            </a:extLst>
+          </p:cNvPr>
+          <p:cNvSpPr>
+            <a:spLocks noGrp="1"/>
+          </p:cNvSpPr>
+          <p:nvPr>
+            <p:ph type="title"/>
+          </p:nvPr>
+        </p:nvSpPr>
+        <p:spPr>
+          <a:xfrm>
+            <a:off x="479565" y="645200"/>
+            <a:ext cx="11433513" cy="864423"/>
+          </a:xfrm>
+        </p:spPr>
+        <p:txBody>
+          <a:bodyPr anchor="ctr">
+            <a:normAutofit/>
+          </a:bodyPr>
+          <a:lstStyle/>
+          <a:p>
+            <a:r>
+              <a:rPr lang="fr-FR" sz="3200" b="1" dirty="0">
+                <a:latin typeface="Verdana" panose="020B0604030504040204" pitchFamily="34" charset="0"/>
+                <a:ea typeface="Verdana" panose="020B0604030504040204" pitchFamily="34" charset="0"/>
+              </a:rPr>
+              <a:t>CONCLUSION</a:t>
+            </a:r>
+            <a:endParaRPr lang="fr-FR" sz="3200" b="1" dirty="0">
+              <a:solidFill>
+                <a:srgbClr val="FFFFFF"/>
+              </a:solidFill>
+              <a:latin typeface="Verdana" panose="020B0604030504040204" pitchFamily="34" charset="0"/>
+              <a:ea typeface="Verdana" panose="020B0604030504040204" pitchFamily="34" charset="0"/>
+            </a:endParaRPr>
+          </a:p>
+        </p:txBody>
+      </p:sp>
+      <p:sp>
+        <p:nvSpPr>
+          <p:cNvPr id="6" name="Espace réservé du numéro de diapositive 5">
+            <a:extLst>
+              <a:ext uri="{FF2B5EF4-FFF2-40B4-BE49-F238E27FC236}">
+                <a16:creationId xmlns:a16="http://schemas.microsoft.com/office/drawing/2014/main" id="{5FFEB8F1-B3FB-0BAF-7D97-0C5A980430A8}"/>
+              </a:ext>
+            </a:extLst>
+          </p:cNvPr>
+          <p:cNvSpPr>
+            <a:spLocks noGrp="1"/>
+          </p:cNvSpPr>
+          <p:nvPr>
+            <p:ph type="sldNum" sz="quarter" idx="12"/>
+          </p:nvPr>
+        </p:nvSpPr>
+        <p:spPr/>
+        <p:txBody>
+          <a:bodyPr/>
+          <a:lstStyle/>
+          <a:p>
+            <a:fld id="{A46C9AE1-DB3E-4619-AB60-AF335A7A74F1}" type="slidenum">
+              <a:rPr lang="fr-FR" sz="1600" b="1" smtClean="0"/>
+              <a:t>19</a:t>
+            </a:fld>
+            <a:endParaRPr lang="fr-FR" sz="800" b="1" dirty="0"/>
+          </a:p>
+        </p:txBody>
+      </p:sp>
+      <p:sp>
+        <p:nvSpPr>
+          <p:cNvPr id="4" name="ZoneTexte 3">
+            <a:extLst>
+              <a:ext uri="{FF2B5EF4-FFF2-40B4-BE49-F238E27FC236}">
+                <a16:creationId xmlns:a16="http://schemas.microsoft.com/office/drawing/2014/main" id="{4B3732A9-F76B-58F6-A6BB-A00266D65BE3}"/>
+              </a:ext>
+            </a:extLst>
+          </p:cNvPr>
+          <p:cNvSpPr txBox="1"/>
+          <p:nvPr/>
+        </p:nvSpPr>
+        <p:spPr>
+          <a:xfrm>
+            <a:off x="1268713" y="2572651"/>
+            <a:ext cx="10078735" cy="2581156"/>
+          </a:xfrm>
+          <a:prstGeom prst="rect">
+            <a:avLst/>
+          </a:prstGeom>
+          <a:noFill/>
+        </p:spPr>
+        <p:txBody>
+          <a:bodyPr wrap="square">
+            <a:spAutoFit/>
+          </a:bodyPr>
+          <a:lstStyle/>
+          <a:p>
+            <a:pPr marL="12700">
+              <a:lnSpc>
+                <a:spcPct val="200000"/>
+              </a:lnSpc>
+              <a:spcBef>
+                <a:spcPts val="600"/>
+              </a:spcBef>
+              <a:spcAft>
+                <a:spcPts val="600"/>
+              </a:spcAft>
+              <a:tabLst>
+                <a:tab pos="299085" algn="l"/>
+              </a:tabLst>
+            </a:pPr>
+            <a:r>
+              <a:rPr lang="fr-FR" sz="1000" dirty="0">
+                <a:latin typeface="Verdana" panose="020B0604030504040204" pitchFamily="34" charset="0"/>
+                <a:ea typeface="Verdana" panose="020B0604030504040204" pitchFamily="34" charset="0"/>
+                <a:cs typeface="Roboto Cn"/>
+              </a:rPr>
+              <a:t>Les données mise à disposition ont permis de mettre en place un algorithme de classification assez efficace avec une modélisation optimale avec l’algorithme LGBM. Cependant, afin de pouvoir améliorer ces résultats, il serait pertinent :</a:t>
+            </a:r>
+          </a:p>
+          <a:p>
+            <a:pPr marL="299085" indent="-286385">
+              <a:lnSpc>
+                <a:spcPct val="200000"/>
+              </a:lnSpc>
+              <a:buFont typeface="Wingdings" panose="05000000000000000000" pitchFamily="2" charset="2"/>
+              <a:buChar char="ü"/>
+              <a:tabLst>
+                <a:tab pos="299085" algn="l"/>
+              </a:tabLst>
+            </a:pPr>
+            <a:r>
+              <a:rPr lang="fr-FR" sz="1000" b="1" dirty="0">
+                <a:latin typeface="Verdana" panose="020B0604030504040204" pitchFamily="34" charset="0"/>
+                <a:ea typeface="Verdana" panose="020B0604030504040204" pitchFamily="34" charset="0"/>
+                <a:cs typeface="Roboto Cn"/>
+              </a:rPr>
+              <a:t>De disposer d’une meilleure méconnaissance</a:t>
+            </a:r>
+            <a:r>
+              <a:rPr lang="fr-FR" sz="1000" b="1" spc="15" dirty="0">
+                <a:latin typeface="Verdana" panose="020B0604030504040204" pitchFamily="34" charset="0"/>
+                <a:ea typeface="Verdana" panose="020B0604030504040204" pitchFamily="34" charset="0"/>
+                <a:cs typeface="Roboto Cn"/>
+              </a:rPr>
+              <a:t> </a:t>
+            </a:r>
+            <a:r>
+              <a:rPr lang="fr-FR" sz="1000" b="1" dirty="0">
+                <a:latin typeface="Verdana" panose="020B0604030504040204" pitchFamily="34" charset="0"/>
+                <a:ea typeface="Verdana" panose="020B0604030504040204" pitchFamily="34" charset="0"/>
+                <a:cs typeface="Roboto Cn"/>
+              </a:rPr>
+              <a:t>du</a:t>
+            </a:r>
+            <a:r>
+              <a:rPr lang="fr-FR" sz="1000" b="1" spc="40" dirty="0">
+                <a:latin typeface="Verdana" panose="020B0604030504040204" pitchFamily="34" charset="0"/>
+                <a:ea typeface="Verdana" panose="020B0604030504040204" pitchFamily="34" charset="0"/>
+                <a:cs typeface="Roboto Cn"/>
+              </a:rPr>
+              <a:t> </a:t>
+            </a:r>
+            <a:r>
+              <a:rPr lang="fr-FR" sz="1000" b="1" dirty="0">
+                <a:latin typeface="Verdana" panose="020B0604030504040204" pitchFamily="34" charset="0"/>
+                <a:ea typeface="Verdana" panose="020B0604030504040204" pitchFamily="34" charset="0"/>
+                <a:cs typeface="Roboto Cn"/>
+              </a:rPr>
+              <a:t>milieu</a:t>
+            </a:r>
+            <a:r>
+              <a:rPr lang="fr-FR" sz="1000" b="1" spc="30" dirty="0">
+                <a:latin typeface="Verdana" panose="020B0604030504040204" pitchFamily="34" charset="0"/>
+                <a:ea typeface="Verdana" panose="020B0604030504040204" pitchFamily="34" charset="0"/>
+                <a:cs typeface="Roboto Cn"/>
+              </a:rPr>
+              <a:t> </a:t>
+            </a:r>
+            <a:r>
+              <a:rPr lang="fr-FR" sz="1000" b="1" dirty="0">
+                <a:latin typeface="Verdana" panose="020B0604030504040204" pitchFamily="34" charset="0"/>
+                <a:ea typeface="Verdana" panose="020B0604030504040204" pitchFamily="34" charset="0"/>
+                <a:cs typeface="Roboto Cn"/>
+              </a:rPr>
+              <a:t>bancaire</a:t>
+            </a:r>
+            <a:r>
+              <a:rPr lang="fr-FR" sz="1000" b="1" spc="35" dirty="0">
+                <a:latin typeface="Verdana" panose="020B0604030504040204" pitchFamily="34" charset="0"/>
+                <a:ea typeface="Verdana" panose="020B0604030504040204" pitchFamily="34" charset="0"/>
+                <a:cs typeface="Roboto Cn"/>
+              </a:rPr>
+              <a:t> </a:t>
+            </a:r>
+            <a:r>
+              <a:rPr lang="fr-FR" sz="1000" dirty="0">
+                <a:latin typeface="Verdana" panose="020B0604030504040204" pitchFamily="34" charset="0"/>
+                <a:ea typeface="Verdana" panose="020B0604030504040204" pitchFamily="34" charset="0"/>
+                <a:cs typeface="Wingdings"/>
+              </a:rPr>
+              <a:t>ce qui permettrait de vérifier / améliorer le processus de traitement des données</a:t>
+            </a:r>
+            <a:endParaRPr lang="fr-FR" sz="1000" spc="-10" dirty="0">
+              <a:latin typeface="Verdana" panose="020B0604030504040204" pitchFamily="34" charset="0"/>
+              <a:ea typeface="Verdana" panose="020B0604030504040204" pitchFamily="34" charset="0"/>
+              <a:cs typeface="Roboto Lt"/>
+            </a:endParaRPr>
+          </a:p>
+          <a:p>
+            <a:pPr marL="299085" indent="-286385">
+              <a:lnSpc>
+                <a:spcPct val="200000"/>
+              </a:lnSpc>
+              <a:buFont typeface="Wingdings" panose="05000000000000000000" pitchFamily="2" charset="2"/>
+              <a:buChar char="ü"/>
+              <a:tabLst>
+                <a:tab pos="299085" algn="l"/>
+              </a:tabLst>
+            </a:pPr>
+            <a:r>
+              <a:rPr lang="fr-FR" sz="1000" spc="-10" dirty="0">
+                <a:latin typeface="Verdana" panose="020B0604030504040204" pitchFamily="34" charset="0"/>
+                <a:ea typeface="Verdana" panose="020B0604030504040204" pitchFamily="34" charset="0"/>
+                <a:cs typeface="Roboto Lt"/>
+              </a:rPr>
+              <a:t>D’avoir une meilleure compréhension des variables essentielles dans l’explication du modèle (EXT_SOURCE)</a:t>
+            </a:r>
+          </a:p>
+          <a:p>
+            <a:pPr marL="299085" marR="8255" indent="-287020">
+              <a:lnSpc>
+                <a:spcPct val="200000"/>
+              </a:lnSpc>
+              <a:buFont typeface="Wingdings" panose="05000000000000000000" pitchFamily="2" charset="2"/>
+              <a:buChar char="ü"/>
+              <a:tabLst>
+                <a:tab pos="299085" algn="l"/>
+              </a:tabLst>
+            </a:pPr>
+            <a:r>
+              <a:rPr lang="fr-FR" sz="1000" dirty="0">
+                <a:latin typeface="Verdana" panose="020B0604030504040204" pitchFamily="34" charset="0"/>
+                <a:ea typeface="Verdana" panose="020B0604030504040204" pitchFamily="34" charset="0"/>
+                <a:cs typeface="Roboto Lt"/>
+              </a:rPr>
+              <a:t>De définir plus finement la </a:t>
+            </a:r>
+            <a:r>
+              <a:rPr lang="fr-FR" sz="1000" b="1" dirty="0">
+                <a:latin typeface="Verdana" panose="020B0604030504040204" pitchFamily="34" charset="0"/>
+                <a:ea typeface="Verdana" panose="020B0604030504040204" pitchFamily="34" charset="0"/>
+                <a:cs typeface="Roboto Cn"/>
+              </a:rPr>
+              <a:t>métrique d’évaluation </a:t>
+            </a:r>
+            <a:r>
+              <a:rPr lang="fr-FR" sz="1000" dirty="0">
+                <a:latin typeface="Verdana" panose="020B0604030504040204" pitchFamily="34" charset="0"/>
+                <a:ea typeface="Verdana" panose="020B0604030504040204" pitchFamily="34" charset="0"/>
+                <a:cs typeface="Roboto Lt"/>
+              </a:rPr>
+              <a:t>et la </a:t>
+            </a:r>
+            <a:r>
+              <a:rPr lang="fr-FR" sz="1000" b="1" dirty="0">
+                <a:latin typeface="Verdana" panose="020B0604030504040204" pitchFamily="34" charset="0"/>
+                <a:ea typeface="Verdana" panose="020B0604030504040204" pitchFamily="34" charset="0"/>
+                <a:cs typeface="Roboto Cn"/>
+              </a:rPr>
+              <a:t>fonction de coût </a:t>
+            </a:r>
+            <a:r>
+              <a:rPr lang="fr-FR" sz="1000" dirty="0">
+                <a:latin typeface="Verdana" panose="020B0604030504040204" pitchFamily="34" charset="0"/>
+                <a:ea typeface="Verdana" panose="020B0604030504040204" pitchFamily="34" charset="0"/>
+                <a:cs typeface="Roboto Lt"/>
+              </a:rPr>
+              <a:t>en collaboration avec les équipes métier</a:t>
+            </a:r>
+          </a:p>
+          <a:p>
+            <a:pPr marL="299085" indent="-286385">
+              <a:lnSpc>
+                <a:spcPct val="200000"/>
+              </a:lnSpc>
+              <a:buFont typeface="Wingdings" panose="05000000000000000000" pitchFamily="2" charset="2"/>
+              <a:buChar char="ü"/>
+              <a:tabLst>
+                <a:tab pos="299085" algn="l"/>
+              </a:tabLst>
+            </a:pPr>
+            <a:r>
+              <a:rPr lang="fr-FR" sz="1000" dirty="0">
+                <a:latin typeface="Verdana" panose="020B0604030504040204" pitchFamily="34" charset="0"/>
+                <a:ea typeface="Verdana" panose="020B0604030504040204" pitchFamily="34" charset="0"/>
+                <a:cs typeface="Roboto Lt"/>
+              </a:rPr>
+              <a:t>D’améliorer les performances de la modélisation en intégrant de nouveaux hyperparamètres et / ou augmentant les valeurs testées</a:t>
+            </a:r>
+          </a:p>
+          <a:p>
+            <a:pPr marL="299085" indent="-286385">
+              <a:lnSpc>
+                <a:spcPct val="200000"/>
+              </a:lnSpc>
+              <a:buFont typeface="Wingdings" panose="05000000000000000000" pitchFamily="2" charset="2"/>
+              <a:buChar char="ü"/>
+              <a:tabLst>
+                <a:tab pos="299085" algn="l"/>
+              </a:tabLst>
+            </a:pPr>
+            <a:r>
+              <a:rPr lang="fr-FR" sz="1000" dirty="0">
+                <a:latin typeface="Verdana" panose="020B0604030504040204" pitchFamily="34" charset="0"/>
+                <a:ea typeface="Verdana" panose="020B0604030504040204" pitchFamily="34" charset="0"/>
+                <a:cs typeface="Roboto Lt"/>
+              </a:rPr>
+              <a:t>D’avoir des connaissances de développement plus robuste afin de sécuriser / automatiser parfaitement le déploiement</a:t>
+            </a:r>
+          </a:p>
+        </p:txBody>
+      </p:sp>
+    </p:spTree>
+    <p:extLst>
+      <p:ext uri="{BB962C8B-B14F-4D97-AF65-F5344CB8AC3E}">
+        <p14:creationId xmlns:p14="http://schemas.microsoft.com/office/powerpoint/2010/main" val="3516055261"/>
       </p:ext>
     </p:extLst>
   </p:cSld>
@@ -13360,67 +14009,6 @@
                 <a:latin typeface="Verdana" panose="020B0604030504040204" pitchFamily="34" charset="0"/>
                 <a:ea typeface="Verdana" panose="020B0604030504040204" pitchFamily="34" charset="0"/>
               </a:rPr>
-              <a:t>: Pipeline de déploiement</a:t>
-            </a:r>
-          </a:p>
-          <a:p>
-            <a:pPr marL="0" indent="0">
-              <a:lnSpc>
-                <a:spcPct val="160000"/>
-              </a:lnSpc>
-              <a:spcBef>
-                <a:spcPts val="0"/>
-              </a:spcBef>
-              <a:spcAft>
-                <a:spcPts val="0"/>
-              </a:spcAft>
-              <a:buNone/>
-            </a:pPr>
-            <a:endParaRPr lang="fr-FR" sz="1200" dirty="0">
-              <a:solidFill>
-                <a:schemeClr val="accent2">
-                  <a:lumMod val="50000"/>
-                </a:schemeClr>
-              </a:solidFill>
-              <a:latin typeface="Verdana" panose="020B0604030504040204" pitchFamily="34" charset="0"/>
-              <a:ea typeface="Verdana" panose="020B0604030504040204" pitchFamily="34" charset="0"/>
-            </a:endParaRPr>
-          </a:p>
-          <a:p>
-            <a:pPr marL="0" indent="0">
-              <a:lnSpc>
-                <a:spcPct val="160000"/>
-              </a:lnSpc>
-              <a:spcBef>
-                <a:spcPts val="0"/>
-              </a:spcBef>
-              <a:spcAft>
-                <a:spcPts val="0"/>
-              </a:spcAft>
-              <a:buNone/>
-            </a:pPr>
-            <a:r>
-              <a:rPr lang="fr-FR" sz="1500" b="1" dirty="0">
-                <a:solidFill>
-                  <a:schemeClr val="accent2">
-                    <a:lumMod val="50000"/>
-                  </a:schemeClr>
-                </a:solidFill>
-                <a:latin typeface="Verdana" panose="020B0604030504040204" pitchFamily="34" charset="0"/>
-                <a:ea typeface="Verdana" panose="020B0604030504040204" pitchFamily="34" charset="0"/>
-              </a:rPr>
-              <a:t>Etape 5 </a:t>
-            </a:r>
-            <a:r>
-              <a:rPr lang="fr-FR" sz="1200" dirty="0">
-                <a:solidFill>
-                  <a:schemeClr val="accent2">
-                    <a:lumMod val="50000"/>
-                  </a:schemeClr>
-                </a:solidFill>
-                <a:latin typeface="Verdana" panose="020B0604030504040204" pitchFamily="34" charset="0"/>
-                <a:ea typeface="Verdana" panose="020B0604030504040204" pitchFamily="34" charset="0"/>
-              </a:rPr>
               <a:t>: Conclusion</a:t>
             </a:r>
           </a:p>
@@ -13545,55 +14133,10 @@
       </p:grpSpPr>
       <p:sp>
         <p:nvSpPr>
-          <p:cNvPr id="2" name="Titre 1">
+          <p:cNvPr id="3" name="Espace réservé du numéro de diapositive 2">
             <a:extLst>
               <a:ext uri="{FF2B5EF4-FFF2-40B4-BE49-F238E27FC236}">
-                <a16:creationId xmlns:a16="http://schemas.microsoft.com/office/drawing/2014/main" id="{4279B1F2-92FB-39C6-14F8-3BBEB272E340}"/>
-              </a:ext>
-            </a:extLst>
-          </p:cNvPr>
-          <p:cNvSpPr>
-            <a:spLocks noGrp="1"/>
-          </p:cNvSpPr>
-          <p:nvPr>
-            <p:ph type="title"/>
-          </p:nvPr>
-        </p:nvSpPr>
-        <p:spPr>
-          <a:xfrm>
-            <a:off x="479565" y="645200"/>
-            <a:ext cx="11433513" cy="864423"/>
-          </a:xfrm>
-        </p:spPr>
-        <p:txBody>
-          <a:bodyPr anchor="ctr">
-            <a:normAutofit/>
-          </a:bodyPr>
-          <a:lstStyle/>
-          <a:p>
-            <a:r>
-              <a:rPr lang="fr-FR" sz="3200" b="1" dirty="0">
-                <a:latin typeface="Verdana" panose="020B0604030504040204" pitchFamily="34" charset="0"/>
-                <a:ea typeface="Verdana" panose="020B0604030504040204" pitchFamily="34" charset="0"/>
-              </a:rPr>
-              <a:t>CONCLUSION</a:t>
-            </a:r>
-            <a:endParaRPr lang="fr-FR" sz="3200" b="1" dirty="0">
-              <a:solidFill>
-                <a:srgbClr val="FFFFFF"/>
-              </a:solidFill>
-              <a:latin typeface="Verdana" panose="020B0604030504040204" pitchFamily="34" charset="0"/>
-              <a:ea typeface="Verdana" panose="020B0604030504040204" pitchFamily="34" charset="0"/>
-            </a:endParaRPr>
-          </a:p>
-        </p:txBody>
-      </p:sp>
-      <p:sp>
-        <p:nvSpPr>
-          <p:cNvPr id="6" name="Espace réservé du numéro de diapositive 5">
-            <a:extLst>
-              <a:ext uri="{FF2B5EF4-FFF2-40B4-BE49-F238E27FC236}">
-                <a16:creationId xmlns:a16="http://schemas.microsoft.com/office/drawing/2014/main" id="{5FFEB8F1-B3FB-0BAF-7D97-0C5A980430A8}"/>
+                <a16:creationId xmlns:a16="http://schemas.microsoft.com/office/drawing/2014/main" id="{89AF7F82-E186-052F-C7DB-4F34DED181F1}"/>
               </a:ext>
             </a:extLst>
           </p:cNvPr>
@@ -13610,321 +14153,8 @@
           <a:lstStyle/>
           <a:p>
             <a:fld id="{A46C9AE1-DB3E-4619-AB60-AF335A7A74F1}" type="slidenum">
-              <a:rPr lang="fr-FR" sz="1600" b="1" smtClean="0"/>
+              <a:rPr lang="fr-FR" smtClean="0"/>
               <a:t>20</a:t>
-            </a:fld>
-            <a:endParaRPr lang="fr-FR" sz="800" b="1" dirty="0"/>
-          </a:p>
-        </p:txBody>
-      </p:sp>
-      <p:sp>
-        <p:nvSpPr>
-          <p:cNvPr id="4" name="ZoneTexte 3">
-            <a:extLst>
-              <a:ext uri="{FF2B5EF4-FFF2-40B4-BE49-F238E27FC236}">
-                <a16:creationId xmlns:a16="http://schemas.microsoft.com/office/drawing/2014/main" id="{4B3732A9-F76B-58F6-A6BB-A00266D65BE3}"/>
-              </a:ext>
-            </a:extLst>
-          </p:cNvPr>
-          <p:cNvSpPr txBox="1"/>
-          <p:nvPr/>
-        </p:nvSpPr>
-        <p:spPr>
-          <a:xfrm>
-            <a:off x="1268713" y="2572651"/>
-            <a:ext cx="10078735" cy="2581156"/>
-          </a:xfrm>
-          <a:prstGeom prst="rect">
-            <a:avLst/>
-          </a:prstGeom>
-          <a:noFill/>
-        </p:spPr>
-        <p:txBody>
-          <a:bodyPr wrap="square">
-            <a:spAutoFit/>
-          </a:bodyPr>
-          <a:lstStyle/>
-          <a:p>
-            <a:pPr marL="12700">
-              <a:lnSpc>
-                <a:spcPct val="200000"/>
-              </a:lnSpc>
-              <a:spcBef>
-                <a:spcPts val="600"/>
-              </a:spcBef>
-              <a:spcAft>
-                <a:spcPts val="600"/>
-              </a:spcAft>
-              <a:tabLst>
-                <a:tab pos="299085" algn="l"/>
-              </a:tabLst>
-            </a:pPr>
-            <a:r>
-              <a:rPr lang="fr-FR" sz="1000" dirty="0">
-                <a:latin typeface="Verdana" panose="020B0604030504040204" pitchFamily="34" charset="0"/>
-                <a:ea typeface="Verdana" panose="020B0604030504040204" pitchFamily="34" charset="0"/>
-                <a:cs typeface="Roboto Cn"/>
-              </a:rPr>
-              <a:t>Les données mise à disposition ont permis de mettre en place un algorithme de classification assez efficace avec une modélisation optimale avec l’algorithme LGBM. Cependant, afin de pouvoir améliorer ces résultats, il serait pertinent :</a:t>
-            </a:r>
-          </a:p>
-          <a:p>
-            <a:pPr marL="299085" indent="-286385">
-              <a:lnSpc>
-                <a:spcPct val="200000"/>
-              </a:lnSpc>
-              <a:buFont typeface="Wingdings" panose="05000000000000000000" pitchFamily="2" charset="2"/>
-              <a:buChar char="ü"/>
-              <a:tabLst>
-                <a:tab pos="299085" algn="l"/>
-              </a:tabLst>
-            </a:pPr>
-            <a:r>
-              <a:rPr lang="fr-FR" sz="1000" b="1" dirty="0">
-                <a:latin typeface="Verdana" panose="020B0604030504040204" pitchFamily="34" charset="0"/>
-                <a:ea typeface="Verdana" panose="020B0604030504040204" pitchFamily="34" charset="0"/>
-                <a:cs typeface="Roboto Cn"/>
-              </a:rPr>
-              <a:t>De disposer d’une meilleure méconnaissance</a:t>
-            </a:r>
-            <a:r>
-              <a:rPr lang="fr-FR" sz="1000" b="1" spc="15" dirty="0">
-                <a:latin typeface="Verdana" panose="020B0604030504040204" pitchFamily="34" charset="0"/>
-                <a:ea typeface="Verdana" panose="020B0604030504040204" pitchFamily="34" charset="0"/>
-                <a:cs typeface="Roboto Cn"/>
-              </a:rPr>
-              <a:t> </a:t>
-            </a:r>
-            <a:r>
-              <a:rPr lang="fr-FR" sz="1000" b="1" dirty="0">
-                <a:latin typeface="Verdana" panose="020B0604030504040204" pitchFamily="34" charset="0"/>
-                <a:ea typeface="Verdana" panose="020B0604030504040204" pitchFamily="34" charset="0"/>
-                <a:cs typeface="Roboto Cn"/>
-              </a:rPr>
-              <a:t>du</a:t>
-            </a:r>
-            <a:r>
-              <a:rPr lang="fr-FR" sz="1000" b="1" spc="40" dirty="0">
-                <a:latin typeface="Verdana" panose="020B0604030504040204" pitchFamily="34" charset="0"/>
-                <a:ea typeface="Verdana" panose="020B0604030504040204" pitchFamily="34" charset="0"/>
-                <a:cs typeface="Roboto Cn"/>
-              </a:rPr>
-              <a:t> </a:t>
-            </a:r>
-            <a:r>
-              <a:rPr lang="fr-FR" sz="1000" b="1" dirty="0">
-                <a:latin typeface="Verdana" panose="020B0604030504040204" pitchFamily="34" charset="0"/>
-                <a:ea typeface="Verdana" panose="020B0604030504040204" pitchFamily="34" charset="0"/>
-                <a:cs typeface="Roboto Cn"/>
-              </a:rPr>
-              <a:t>milieu</a:t>
-            </a:r>
-            <a:r>
-              <a:rPr lang="fr-FR" sz="1000" b="1" spc="30" dirty="0">
-                <a:latin typeface="Verdana" panose="020B0604030504040204" pitchFamily="34" charset="0"/>
-                <a:ea typeface="Verdana" panose="020B0604030504040204" pitchFamily="34" charset="0"/>
-                <a:cs typeface="Roboto Cn"/>
-              </a:rPr>
-              <a:t> </a:t>
-            </a:r>
-            <a:r>
-              <a:rPr lang="fr-FR" sz="1000" b="1" dirty="0">
-                <a:latin typeface="Verdana" panose="020B0604030504040204" pitchFamily="34" charset="0"/>
-                <a:ea typeface="Verdana" panose="020B0604030504040204" pitchFamily="34" charset="0"/>
-                <a:cs typeface="Roboto Cn"/>
-              </a:rPr>
-              <a:t>bancaire</a:t>
-            </a:r>
-            <a:r>
-              <a:rPr lang="fr-FR" sz="1000" b="1" spc="35" dirty="0">
-                <a:latin typeface="Verdana" panose="020B0604030504040204" pitchFamily="34" charset="0"/>
-                <a:ea typeface="Verdana" panose="020B0604030504040204" pitchFamily="34" charset="0"/>
-                <a:cs typeface="Roboto Cn"/>
-              </a:rPr>
-              <a:t> </a:t>
-            </a:r>
-            <a:r>
-              <a:rPr lang="fr-FR" sz="1000" dirty="0">
-                <a:latin typeface="Verdana" panose="020B0604030504040204" pitchFamily="34" charset="0"/>
-                <a:ea typeface="Verdana" panose="020B0604030504040204" pitchFamily="34" charset="0"/>
-                <a:cs typeface="Wingdings"/>
-              </a:rPr>
-              <a:t>ce qui permettrait de vérifier / améliorer le processus de traitement des données</a:t>
-            </a:r>
-            <a:endParaRPr lang="fr-FR" sz="1000" spc="-10" dirty="0">
-              <a:latin typeface="Verdana" panose="020B0604030504040204" pitchFamily="34" charset="0"/>
-              <a:ea typeface="Verdana" panose="020B0604030504040204" pitchFamily="34" charset="0"/>
-              <a:cs typeface="Roboto Lt"/>
-            </a:endParaRPr>
-          </a:p>
-          <a:p>
-            <a:pPr marL="299085" indent="-286385">
-              <a:lnSpc>
-                <a:spcPct val="200000"/>
-              </a:lnSpc>
-              <a:buFont typeface="Wingdings" panose="05000000000000000000" pitchFamily="2" charset="2"/>
-              <a:buChar char="ü"/>
-              <a:tabLst>
-                <a:tab pos="299085" algn="l"/>
-              </a:tabLst>
-            </a:pPr>
-            <a:r>
-              <a:rPr lang="fr-FR" sz="1000" spc="-10" dirty="0">
-                <a:latin typeface="Verdana" panose="020B0604030504040204" pitchFamily="34" charset="0"/>
-                <a:ea typeface="Verdana" panose="020B0604030504040204" pitchFamily="34" charset="0"/>
-                <a:cs typeface="Roboto Lt"/>
-              </a:rPr>
-              <a:t>D’avoir une meilleure compréhension des variables essentielles dans l’explication du modèle (EXT_SOURCE)</a:t>
-            </a:r>
-          </a:p>
-          <a:p>
-            <a:pPr marL="299085" marR="8255" indent="-287020">
-              <a:lnSpc>
-                <a:spcPct val="200000"/>
-              </a:lnSpc>
-              <a:buFont typeface="Wingdings" panose="05000000000000000000" pitchFamily="2" charset="2"/>
-              <a:buChar char="ü"/>
-              <a:tabLst>
-                <a:tab pos="299085" algn="l"/>
-              </a:tabLst>
-            </a:pPr>
-            <a:r>
-              <a:rPr lang="fr-FR" sz="1000" dirty="0">
-                <a:latin typeface="Verdana" panose="020B0604030504040204" pitchFamily="34" charset="0"/>
-                <a:ea typeface="Verdana" panose="020B0604030504040204" pitchFamily="34" charset="0"/>
-                <a:cs typeface="Roboto Lt"/>
-              </a:rPr>
-              <a:t>De définir plus finement la </a:t>
-            </a:r>
-            <a:r>
-              <a:rPr lang="fr-FR" sz="1000" b="1" dirty="0">
-                <a:latin typeface="Verdana" panose="020B0604030504040204" pitchFamily="34" charset="0"/>
-                <a:ea typeface="Verdana" panose="020B0604030504040204" pitchFamily="34" charset="0"/>
-                <a:cs typeface="Roboto Cn"/>
-              </a:rPr>
-              <a:t>métrique d’évaluation </a:t>
-            </a:r>
-            <a:r>
-              <a:rPr lang="fr-FR" sz="1000" dirty="0">
-                <a:latin typeface="Verdana" panose="020B0604030504040204" pitchFamily="34" charset="0"/>
-                <a:ea typeface="Verdana" panose="020B0604030504040204" pitchFamily="34" charset="0"/>
-                <a:cs typeface="Roboto Lt"/>
-              </a:rPr>
-              <a:t>et la </a:t>
-            </a:r>
-            <a:r>
-              <a:rPr lang="fr-FR" sz="1000" b="1" dirty="0">
-                <a:latin typeface="Verdana" panose="020B0604030504040204" pitchFamily="34" charset="0"/>
-                <a:ea typeface="Verdana" panose="020B0604030504040204" pitchFamily="34" charset="0"/>
-                <a:cs typeface="Roboto Cn"/>
-              </a:rPr>
-              <a:t>fonction de coût </a:t>
-            </a:r>
-            <a:r>
-              <a:rPr lang="fr-FR" sz="1000" dirty="0">
-                <a:latin typeface="Verdana" panose="020B0604030504040204" pitchFamily="34" charset="0"/>
-                <a:ea typeface="Verdana" panose="020B0604030504040204" pitchFamily="34" charset="0"/>
-                <a:cs typeface="Roboto Lt"/>
-              </a:rPr>
-              <a:t>en collaboration avec les équipes métier</a:t>
-            </a:r>
-          </a:p>
-          <a:p>
-            <a:pPr marL="299085" indent="-286385">
-              <a:lnSpc>
-                <a:spcPct val="200000"/>
-              </a:lnSpc>
-              <a:buFont typeface="Wingdings" panose="05000000000000000000" pitchFamily="2" charset="2"/>
-              <a:buChar char="ü"/>
-              <a:tabLst>
-                <a:tab pos="299085" algn="l"/>
-              </a:tabLst>
-            </a:pPr>
-            <a:r>
-              <a:rPr lang="fr-FR" sz="1000" dirty="0">
-                <a:latin typeface="Verdana" panose="020B0604030504040204" pitchFamily="34" charset="0"/>
-                <a:ea typeface="Verdana" panose="020B0604030504040204" pitchFamily="34" charset="0"/>
-                <a:cs typeface="Roboto Lt"/>
-              </a:rPr>
-              <a:t>D’améliorer les performances de la modélisation en intégrant de nouveaux hyperparamètres et / ou augmentant les valeurs testées</a:t>
-            </a:r>
-          </a:p>
-          <a:p>
-            <a:pPr marL="299085" indent="-286385">
-              <a:lnSpc>
-                <a:spcPct val="200000"/>
-              </a:lnSpc>
-              <a:buFont typeface="Wingdings" panose="05000000000000000000" pitchFamily="2" charset="2"/>
-              <a:buChar char="ü"/>
-              <a:tabLst>
-                <a:tab pos="299085" algn="l"/>
-              </a:tabLst>
-            </a:pPr>
-            <a:r>
-              <a:rPr lang="fr-FR" sz="1000" dirty="0">
-                <a:latin typeface="Verdana" panose="020B0604030504040204" pitchFamily="34" charset="0"/>
-                <a:ea typeface="Verdana" panose="020B0604030504040204" pitchFamily="34" charset="0"/>
-                <a:cs typeface="Roboto Lt"/>
-              </a:rPr>
-              <a:t>D’avoir des connaissances de développement plus robuste afin de sécuriser / automatiser parfaitement le déploiement</a:t>
-            </a:r>
-          </a:p>
-        </p:txBody>
-      </p:sp>
-    </p:spTree>
-    <p:extLst>
-      <p:ext uri="{BB962C8B-B14F-4D97-AF65-F5344CB8AC3E}">
-        <p14:creationId xmlns:p14="http://schemas.microsoft.com/office/powerpoint/2010/main" val="3516055261"/>
-      </p:ext>
-    </p:extLst>
-  </p:cSld>
-  <p:clrMapOvr>
-    <a:masterClrMapping/>
-  </p:clrMapOvr>
-</p:sld>
-</file>
-
-<file path=ppt/slides/slide21.xml><?xml version="1.0" encoding="utf-8"?>
-<p:sld xmlns:a="http://schemas.openxmlformats.org/drawingml/2006/main" xmlns:r="http://schemas.openxmlformats.org/officeDocument/2006/relationships" xmlns:p="http://schemas.openxmlformats.org/presentationml/2006/main">
-  <p:cSld>
-    <p:spTree>
-      <p:nvGrpSpPr>
-        <p:cNvPr id="1" name=""/>
-        <p:cNvGrpSpPr/>
-        <p:nvPr/>
-      </p:nvGrpSpPr>
-      <p:grpSpPr>
-        <a:xfrm>
-          <a:off x="0" y="0"/>
-          <a:ext cx="0" cy="0"/>
-          <a:chOff x="0" y="0"/>
-          <a:chExt cx="0" cy="0"/>
-        </a:xfrm>
-      </p:grpSpPr>
-      <p:sp>
-        <p:nvSpPr>
-          <p:cNvPr id="3" name="Espace réservé du numéro de diapositive 2">
-            <a:extLst>
-              <a:ext uri="{FF2B5EF4-FFF2-40B4-BE49-F238E27FC236}">
-                <a16:creationId xmlns:a16="http://schemas.microsoft.com/office/drawing/2014/main" id="{89AF7F82-E186-052F-C7DB-4F34DED181F1}"/>
-              </a:ext>
-            </a:extLst>
-          </p:cNvPr>
-          <p:cNvSpPr>
-            <a:spLocks noGrp="1"/>
-          </p:cNvSpPr>
-          <p:nvPr>
-            <p:ph type="sldNum" sz="quarter" idx="12"/>
-          </p:nvPr>
-        </p:nvSpPr>
-        <p:spPr/>
-        <p:txBody>
-          <a:bodyPr/>
-          <a:lstStyle/>
-          <a:p>
-            <a:fld id="{A46C9AE1-DB3E-4619-AB60-AF335A7A74F1}" type="slidenum">
-              <a:rPr lang="fr-FR" smtClean="0"/>
-              <a:t>21</a:t>
             </a:fld>
             <a:endParaRPr lang="fr-FR"/>
           </a:p>
